--- a/Bilder/preprocessing/Presentation1.pptx
+++ b/Bilder/preprocessing/Presentation1.pptx
@@ -2,18 +2,20 @@
 <file path=ppt/presentation.xml><?xml version="1.0" encoding="utf-8"?>
 <p:presentation xmlns:a="http://schemas.openxmlformats.org/drawingml/2006/main" xmlns:r="http://schemas.openxmlformats.org/officeDocument/2006/relationships" xmlns:p="http://schemas.openxmlformats.org/presentationml/2006/main" saveSubsetFonts="1" autoCompressPictures="0">
   <p:sldMasterIdLst>
-    <p:sldMasterId id="2147483648" r:id="rId1"/>
+    <p:sldMasterId id="2147483660" r:id="rId1"/>
   </p:sldMasterIdLst>
   <p:sldIdLst>
     <p:sldId id="256" r:id="rId2"/>
+    <p:sldId id="257" r:id="rId3"/>
+    <p:sldId id="258" r:id="rId4"/>
   </p:sldIdLst>
-  <p:sldSz cx="12192000" cy="6858000"/>
+  <p:sldSz cx="9906000" cy="6858000" type="A4"/>
   <p:notesSz cx="6858000" cy="9144000"/>
   <p:defaultTextStyle>
     <a:defPPr>
       <a:defRPr lang="en-US"/>
     </a:defPPr>
-    <a:lvl1pPr marL="0" algn="l" defTabSz="914400" rtl="0" eaLnBrk="1" latinLnBrk="0" hangingPunct="1">
+    <a:lvl1pPr marL="0" algn="l" defTabSz="457200" rtl="0" eaLnBrk="1" latinLnBrk="0" hangingPunct="1">
       <a:defRPr sz="1800" kern="1200">
         <a:solidFill>
           <a:schemeClr val="tx1"/>
@@ -23,7 +25,7 @@
         <a:cs typeface="+mn-cs"/>
       </a:defRPr>
     </a:lvl1pPr>
-    <a:lvl2pPr marL="457200" algn="l" defTabSz="914400" rtl="0" eaLnBrk="1" latinLnBrk="0" hangingPunct="1">
+    <a:lvl2pPr marL="457200" algn="l" defTabSz="457200" rtl="0" eaLnBrk="1" latinLnBrk="0" hangingPunct="1">
       <a:defRPr sz="1800" kern="1200">
         <a:solidFill>
           <a:schemeClr val="tx1"/>
@@ -33,7 +35,7 @@
         <a:cs typeface="+mn-cs"/>
       </a:defRPr>
     </a:lvl2pPr>
-    <a:lvl3pPr marL="914400" algn="l" defTabSz="914400" rtl="0" eaLnBrk="1" latinLnBrk="0" hangingPunct="1">
+    <a:lvl3pPr marL="914400" algn="l" defTabSz="457200" rtl="0" eaLnBrk="1" latinLnBrk="0" hangingPunct="1">
       <a:defRPr sz="1800" kern="1200">
         <a:solidFill>
           <a:schemeClr val="tx1"/>
@@ -43,7 +45,7 @@
         <a:cs typeface="+mn-cs"/>
       </a:defRPr>
     </a:lvl3pPr>
-    <a:lvl4pPr marL="1371600" algn="l" defTabSz="914400" rtl="0" eaLnBrk="1" latinLnBrk="0" hangingPunct="1">
+    <a:lvl4pPr marL="1371600" algn="l" defTabSz="457200" rtl="0" eaLnBrk="1" latinLnBrk="0" hangingPunct="1">
       <a:defRPr sz="1800" kern="1200">
         <a:solidFill>
           <a:schemeClr val="tx1"/>
@@ -53,7 +55,7 @@
         <a:cs typeface="+mn-cs"/>
       </a:defRPr>
     </a:lvl4pPr>
-    <a:lvl5pPr marL="1828800" algn="l" defTabSz="914400" rtl="0" eaLnBrk="1" latinLnBrk="0" hangingPunct="1">
+    <a:lvl5pPr marL="1828800" algn="l" defTabSz="457200" rtl="0" eaLnBrk="1" latinLnBrk="0" hangingPunct="1">
       <a:defRPr sz="1800" kern="1200">
         <a:solidFill>
           <a:schemeClr val="tx1"/>
@@ -63,7 +65,7 @@
         <a:cs typeface="+mn-cs"/>
       </a:defRPr>
     </a:lvl5pPr>
-    <a:lvl6pPr marL="2286000" algn="l" defTabSz="914400" rtl="0" eaLnBrk="1" latinLnBrk="0" hangingPunct="1">
+    <a:lvl6pPr marL="2286000" algn="l" defTabSz="457200" rtl="0" eaLnBrk="1" latinLnBrk="0" hangingPunct="1">
       <a:defRPr sz="1800" kern="1200">
         <a:solidFill>
           <a:schemeClr val="tx1"/>
@@ -73,7 +75,7 @@
         <a:cs typeface="+mn-cs"/>
       </a:defRPr>
     </a:lvl6pPr>
-    <a:lvl7pPr marL="2743200" algn="l" defTabSz="914400" rtl="0" eaLnBrk="1" latinLnBrk="0" hangingPunct="1">
+    <a:lvl7pPr marL="2743200" algn="l" defTabSz="457200" rtl="0" eaLnBrk="1" latinLnBrk="0" hangingPunct="1">
       <a:defRPr sz="1800" kern="1200">
         <a:solidFill>
           <a:schemeClr val="tx1"/>
@@ -83,7 +85,7 @@
         <a:cs typeface="+mn-cs"/>
       </a:defRPr>
     </a:lvl7pPr>
-    <a:lvl8pPr marL="3200400" algn="l" defTabSz="914400" rtl="0" eaLnBrk="1" latinLnBrk="0" hangingPunct="1">
+    <a:lvl8pPr marL="3200400" algn="l" defTabSz="457200" rtl="0" eaLnBrk="1" latinLnBrk="0" hangingPunct="1">
       <a:defRPr sz="1800" kern="1200">
         <a:solidFill>
           <a:schemeClr val="tx1"/>
@@ -93,7 +95,7 @@
         <a:cs typeface="+mn-cs"/>
       </a:defRPr>
     </a:lvl8pPr>
-    <a:lvl9pPr marL="3657600" algn="l" defTabSz="914400" rtl="0" eaLnBrk="1" latinLnBrk="0" hangingPunct="1">
+    <a:lvl9pPr marL="3657600" algn="l" defTabSz="457200" rtl="0" eaLnBrk="1" latinLnBrk="0" hangingPunct="1">
       <a:defRPr sz="1800" kern="1200">
         <a:solidFill>
           <a:schemeClr val="tx1"/>
@@ -107,12 +109,12 @@
   <p:extLst>
     <p:ext uri="{EFAFB233-063F-42B5-8137-9DF3F51BA10A}">
       <p15:sldGuideLst xmlns:p15="http://schemas.microsoft.com/office/powerpoint/2012/main">
-        <p15:guide id="1" orient="horz" pos="4296" userDrawn="1">
+        <p15:guide id="1" orient="horz" pos="4152" userDrawn="1">
           <p15:clr>
             <a:srgbClr val="A4A3A4"/>
           </p15:clr>
         </p15:guide>
-        <p15:guide id="2" pos="7200" userDrawn="1">
+        <p15:guide id="2" pos="6143" userDrawn="1">
           <p15:clr>
             <a:srgbClr val="A4A3A4"/>
           </p15:clr>
@@ -142,13 +144,7 @@
       </p:grpSpPr>
       <p:sp>
         <p:nvSpPr>
-          <p:cNvPr id="2" name="Title 1">
-            <a:extLst>
-              <a:ext uri="{FF2B5EF4-FFF2-40B4-BE49-F238E27FC236}">
-                <a16:creationId xmlns:a16="http://schemas.microsoft.com/office/drawing/2014/main" id="{057A1C7F-AD9D-F32C-E3CA-504C59871199}"/>
-              </a:ext>
-            </a:extLst>
-          </p:cNvPr>
+          <p:cNvPr id="2" name="Title 1"/>
           <p:cNvSpPr>
             <a:spLocks noGrp="1"/>
           </p:cNvSpPr>
@@ -158,8 +154,8 @@
         </p:nvSpPr>
         <p:spPr>
           <a:xfrm>
-            <a:off x="1524000" y="1122363"/>
-            <a:ext cx="9144000" cy="2387600"/>
+            <a:off x="742950" y="1122363"/>
+            <a:ext cx="8420100" cy="2387600"/>
           </a:xfrm>
         </p:spPr>
         <p:txBody>
@@ -174,18 +170,13 @@
               <a:rPr lang="en-US"/>
               <a:t>Click to edit Master title style</a:t>
             </a:r>
-          </a:p>
-        </p:txBody>
-      </p:sp>
-      <p:sp>
-        <p:nvSpPr>
-          <p:cNvPr id="3" name="Subtitle 2">
-            <a:extLst>
-              <a:ext uri="{FF2B5EF4-FFF2-40B4-BE49-F238E27FC236}">
-                <a16:creationId xmlns:a16="http://schemas.microsoft.com/office/drawing/2014/main" id="{F0AC3FB0-1D61-A66C-AED7-9454492CFEC4}"/>
-              </a:ext>
-            </a:extLst>
-          </p:cNvPr>
+            <a:endParaRPr lang="en-US" dirty="0"/>
+          </a:p>
+        </p:txBody>
+      </p:sp>
+      <p:sp>
+        <p:nvSpPr>
+          <p:cNvPr id="3" name="Subtitle 2"/>
           <p:cNvSpPr>
             <a:spLocks noGrp="1"/>
           </p:cNvSpPr>
@@ -195,8 +186,8 @@
         </p:nvSpPr>
         <p:spPr>
           <a:xfrm>
-            <a:off x="1524000" y="3602038"/>
-            <a:ext cx="9144000" cy="1655762"/>
+            <a:off x="1238250" y="3602038"/>
+            <a:ext cx="7429500" cy="1655762"/>
           </a:xfrm>
         </p:spPr>
         <p:txBody>
@@ -244,18 +235,13 @@
               <a:rPr lang="en-US"/>
               <a:t>Click to edit Master subtitle style</a:t>
             </a:r>
-          </a:p>
-        </p:txBody>
-      </p:sp>
-      <p:sp>
-        <p:nvSpPr>
-          <p:cNvPr id="4" name="Date Placeholder 3">
-            <a:extLst>
-              <a:ext uri="{FF2B5EF4-FFF2-40B4-BE49-F238E27FC236}">
-                <a16:creationId xmlns:a16="http://schemas.microsoft.com/office/drawing/2014/main" id="{3EAC13BC-4823-707F-3DA5-A96FEA152EF5}"/>
-              </a:ext>
-            </a:extLst>
-          </p:cNvPr>
+            <a:endParaRPr lang="en-US" dirty="0"/>
+          </a:p>
+        </p:txBody>
+      </p:sp>
+      <p:sp>
+        <p:nvSpPr>
+          <p:cNvPr id="4" name="Date Placeholder 3"/>
           <p:cNvSpPr>
             <a:spLocks noGrp="1"/>
           </p:cNvSpPr>
@@ -270,7 +256,7 @@
           <a:p>
             <a:fld id="{0BBBA72C-B5DB-EC47-BDAE-427966AD6903}" type="datetimeFigureOut">
               <a:rPr lang="en-US" smtClean="0"/>
-              <a:t>5/13/22</a:t>
+              <a:t>5/15/22</a:t>
             </a:fld>
             <a:endParaRPr lang="en-US" dirty="0"/>
           </a:p>
@@ -278,13 +264,7 @@
       </p:sp>
       <p:sp>
         <p:nvSpPr>
-          <p:cNvPr id="5" name="Footer Placeholder 4">
-            <a:extLst>
-              <a:ext uri="{FF2B5EF4-FFF2-40B4-BE49-F238E27FC236}">
-                <a16:creationId xmlns:a16="http://schemas.microsoft.com/office/drawing/2014/main" id="{4354646A-CC7B-0D47-7136-8639DBD142EA}"/>
-              </a:ext>
-            </a:extLst>
-          </p:cNvPr>
+          <p:cNvPr id="5" name="Footer Placeholder 4"/>
           <p:cNvSpPr>
             <a:spLocks noGrp="1"/>
           </p:cNvSpPr>
@@ -303,13 +283,7 @@
       </p:sp>
       <p:sp>
         <p:nvSpPr>
-          <p:cNvPr id="6" name="Slide Number Placeholder 5">
-            <a:extLst>
-              <a:ext uri="{FF2B5EF4-FFF2-40B4-BE49-F238E27FC236}">
-                <a16:creationId xmlns:a16="http://schemas.microsoft.com/office/drawing/2014/main" id="{EC1C54A1-AFFE-3064-7EFC-5A350512C2D2}"/>
-              </a:ext>
-            </a:extLst>
-          </p:cNvPr>
+          <p:cNvPr id="6" name="Slide Number Placeholder 5"/>
           <p:cNvSpPr>
             <a:spLocks noGrp="1"/>
           </p:cNvSpPr>
@@ -333,7 +307,7 @@
     </p:spTree>
     <p:extLst>
       <p:ext uri="{BB962C8B-B14F-4D97-AF65-F5344CB8AC3E}">
-        <p14:creationId xmlns:p14="http://schemas.microsoft.com/office/powerpoint/2010/main" val="1600999789"/>
+        <p14:creationId xmlns:p14="http://schemas.microsoft.com/office/powerpoint/2010/main" val="4269436161"/>
       </p:ext>
     </p:extLst>
   </p:cSld>
@@ -362,13 +336,7 @@
       </p:grpSpPr>
       <p:sp>
         <p:nvSpPr>
-          <p:cNvPr id="2" name="Title 1">
-            <a:extLst>
-              <a:ext uri="{FF2B5EF4-FFF2-40B4-BE49-F238E27FC236}">
-                <a16:creationId xmlns:a16="http://schemas.microsoft.com/office/drawing/2014/main" id="{68416472-81B3-36C0-CDBF-5F8FCE6BAA23}"/>
-              </a:ext>
-            </a:extLst>
-          </p:cNvPr>
+          <p:cNvPr id="2" name="Title 1"/>
           <p:cNvSpPr>
             <a:spLocks noGrp="1"/>
           </p:cNvSpPr>
@@ -385,18 +353,13 @@
               <a:rPr lang="en-US"/>
               <a:t>Click to edit Master title style</a:t>
             </a:r>
-          </a:p>
-        </p:txBody>
-      </p:sp>
-      <p:sp>
-        <p:nvSpPr>
-          <p:cNvPr id="3" name="Vertical Text Placeholder 2">
-            <a:extLst>
-              <a:ext uri="{FF2B5EF4-FFF2-40B4-BE49-F238E27FC236}">
-                <a16:creationId xmlns:a16="http://schemas.microsoft.com/office/drawing/2014/main" id="{4C47BFB4-E617-7D46-3372-BC36B621967C}"/>
-              </a:ext>
-            </a:extLst>
-          </p:cNvPr>
+            <a:endParaRPr lang="en-US" dirty="0"/>
+          </a:p>
+        </p:txBody>
+      </p:sp>
+      <p:sp>
+        <p:nvSpPr>
+          <p:cNvPr id="3" name="Vertical Text Placeholder 2"/>
           <p:cNvSpPr>
             <a:spLocks noGrp="1"/>
           </p:cNvSpPr>
@@ -442,18 +405,13 @@
               <a:rPr lang="en-US"/>
               <a:t>Fifth level</a:t>
             </a:r>
-          </a:p>
-        </p:txBody>
-      </p:sp>
-      <p:sp>
-        <p:nvSpPr>
-          <p:cNvPr id="4" name="Date Placeholder 3">
-            <a:extLst>
-              <a:ext uri="{FF2B5EF4-FFF2-40B4-BE49-F238E27FC236}">
-                <a16:creationId xmlns:a16="http://schemas.microsoft.com/office/drawing/2014/main" id="{E93977E6-2B41-BD2B-C432-15BE2230163E}"/>
-              </a:ext>
-            </a:extLst>
-          </p:cNvPr>
+            <a:endParaRPr lang="en-US" dirty="0"/>
+          </a:p>
+        </p:txBody>
+      </p:sp>
+      <p:sp>
+        <p:nvSpPr>
+          <p:cNvPr id="4" name="Date Placeholder 3"/>
           <p:cNvSpPr>
             <a:spLocks noGrp="1"/>
           </p:cNvSpPr>
@@ -468,7 +426,7 @@
           <a:p>
             <a:fld id="{0BBBA72C-B5DB-EC47-BDAE-427966AD6903}" type="datetimeFigureOut">
               <a:rPr lang="en-US" smtClean="0"/>
-              <a:t>5/13/22</a:t>
+              <a:t>5/15/22</a:t>
             </a:fld>
             <a:endParaRPr lang="en-US" dirty="0"/>
           </a:p>
@@ -476,13 +434,7 @@
       </p:sp>
       <p:sp>
         <p:nvSpPr>
-          <p:cNvPr id="5" name="Footer Placeholder 4">
-            <a:extLst>
-              <a:ext uri="{FF2B5EF4-FFF2-40B4-BE49-F238E27FC236}">
-                <a16:creationId xmlns:a16="http://schemas.microsoft.com/office/drawing/2014/main" id="{763D54FA-B84D-B9CD-C434-4FE180882417}"/>
-              </a:ext>
-            </a:extLst>
-          </p:cNvPr>
+          <p:cNvPr id="5" name="Footer Placeholder 4"/>
           <p:cNvSpPr>
             <a:spLocks noGrp="1"/>
           </p:cNvSpPr>
@@ -501,13 +453,7 @@
       </p:sp>
       <p:sp>
         <p:nvSpPr>
-          <p:cNvPr id="6" name="Slide Number Placeholder 5">
-            <a:extLst>
-              <a:ext uri="{FF2B5EF4-FFF2-40B4-BE49-F238E27FC236}">
-                <a16:creationId xmlns:a16="http://schemas.microsoft.com/office/drawing/2014/main" id="{522DB632-3701-8312-504D-A2398ECEEAB4}"/>
-              </a:ext>
-            </a:extLst>
-          </p:cNvPr>
+          <p:cNvPr id="6" name="Slide Number Placeholder 5"/>
           <p:cNvSpPr>
             <a:spLocks noGrp="1"/>
           </p:cNvSpPr>
@@ -531,7 +477,7 @@
     </p:spTree>
     <p:extLst>
       <p:ext uri="{BB962C8B-B14F-4D97-AF65-F5344CB8AC3E}">
-        <p14:creationId xmlns:p14="http://schemas.microsoft.com/office/powerpoint/2010/main" val="4067088708"/>
+        <p14:creationId xmlns:p14="http://schemas.microsoft.com/office/powerpoint/2010/main" val="1349902817"/>
       </p:ext>
     </p:extLst>
   </p:cSld>
@@ -560,13 +506,7 @@
       </p:grpSpPr>
       <p:sp>
         <p:nvSpPr>
-          <p:cNvPr id="2" name="Vertical Title 1">
-            <a:extLst>
-              <a:ext uri="{FF2B5EF4-FFF2-40B4-BE49-F238E27FC236}">
-                <a16:creationId xmlns:a16="http://schemas.microsoft.com/office/drawing/2014/main" id="{CBF1385F-ABB1-B587-8333-27EEC68867F7}"/>
-              </a:ext>
-            </a:extLst>
-          </p:cNvPr>
+          <p:cNvPr id="2" name="Vertical Title 1"/>
           <p:cNvSpPr>
             <a:spLocks noGrp="1"/>
           </p:cNvSpPr>
@@ -576,8 +516,8 @@
         </p:nvSpPr>
         <p:spPr>
           <a:xfrm>
-            <a:off x="8724900" y="365125"/>
-            <a:ext cx="2628900" cy="5811838"/>
+            <a:off x="7088982" y="365125"/>
+            <a:ext cx="2135981" cy="5811838"/>
           </a:xfrm>
         </p:spPr>
         <p:txBody>
@@ -588,18 +528,13 @@
               <a:rPr lang="en-US"/>
               <a:t>Click to edit Master title style</a:t>
             </a:r>
-          </a:p>
-        </p:txBody>
-      </p:sp>
-      <p:sp>
-        <p:nvSpPr>
-          <p:cNvPr id="3" name="Vertical Text Placeholder 2">
-            <a:extLst>
-              <a:ext uri="{FF2B5EF4-FFF2-40B4-BE49-F238E27FC236}">
-                <a16:creationId xmlns:a16="http://schemas.microsoft.com/office/drawing/2014/main" id="{DD8F647C-A335-D87A-EEBC-42B7E23FBC9D}"/>
-              </a:ext>
-            </a:extLst>
-          </p:cNvPr>
+            <a:endParaRPr lang="en-US" dirty="0"/>
+          </a:p>
+        </p:txBody>
+      </p:sp>
+      <p:sp>
+        <p:nvSpPr>
+          <p:cNvPr id="3" name="Vertical Text Placeholder 2"/>
           <p:cNvSpPr>
             <a:spLocks noGrp="1"/>
           </p:cNvSpPr>
@@ -609,8 +544,8 @@
         </p:nvSpPr>
         <p:spPr>
           <a:xfrm>
-            <a:off x="838200" y="365125"/>
-            <a:ext cx="7734300" cy="5811838"/>
+            <a:off x="681038" y="365125"/>
+            <a:ext cx="6284119" cy="5811838"/>
           </a:xfrm>
         </p:spPr>
         <p:txBody>
@@ -650,18 +585,13 @@
               <a:rPr lang="en-US"/>
               <a:t>Fifth level</a:t>
             </a:r>
-          </a:p>
-        </p:txBody>
-      </p:sp>
-      <p:sp>
-        <p:nvSpPr>
-          <p:cNvPr id="4" name="Date Placeholder 3">
-            <a:extLst>
-              <a:ext uri="{FF2B5EF4-FFF2-40B4-BE49-F238E27FC236}">
-                <a16:creationId xmlns:a16="http://schemas.microsoft.com/office/drawing/2014/main" id="{19B083BA-4906-73C2-952E-F30AC070F13C}"/>
-              </a:ext>
-            </a:extLst>
-          </p:cNvPr>
+            <a:endParaRPr lang="en-US" dirty="0"/>
+          </a:p>
+        </p:txBody>
+      </p:sp>
+      <p:sp>
+        <p:nvSpPr>
+          <p:cNvPr id="4" name="Date Placeholder 3"/>
           <p:cNvSpPr>
             <a:spLocks noGrp="1"/>
           </p:cNvSpPr>
@@ -676,7 +606,7 @@
           <a:p>
             <a:fld id="{0BBBA72C-B5DB-EC47-BDAE-427966AD6903}" type="datetimeFigureOut">
               <a:rPr lang="en-US" smtClean="0"/>
-              <a:t>5/13/22</a:t>
+              <a:t>5/15/22</a:t>
             </a:fld>
             <a:endParaRPr lang="en-US" dirty="0"/>
           </a:p>
@@ -684,13 +614,7 @@
       </p:sp>
       <p:sp>
         <p:nvSpPr>
-          <p:cNvPr id="5" name="Footer Placeholder 4">
-            <a:extLst>
-              <a:ext uri="{FF2B5EF4-FFF2-40B4-BE49-F238E27FC236}">
-                <a16:creationId xmlns:a16="http://schemas.microsoft.com/office/drawing/2014/main" id="{1055792A-8A6E-A16E-BEE7-83106F54F6ED}"/>
-              </a:ext>
-            </a:extLst>
-          </p:cNvPr>
+          <p:cNvPr id="5" name="Footer Placeholder 4"/>
           <p:cNvSpPr>
             <a:spLocks noGrp="1"/>
           </p:cNvSpPr>
@@ -709,13 +633,7 @@
       </p:sp>
       <p:sp>
         <p:nvSpPr>
-          <p:cNvPr id="6" name="Slide Number Placeholder 5">
-            <a:extLst>
-              <a:ext uri="{FF2B5EF4-FFF2-40B4-BE49-F238E27FC236}">
-                <a16:creationId xmlns:a16="http://schemas.microsoft.com/office/drawing/2014/main" id="{891C34E5-773A-C96A-17A5-F431C7DA5C61}"/>
-              </a:ext>
-            </a:extLst>
-          </p:cNvPr>
+          <p:cNvPr id="6" name="Slide Number Placeholder 5"/>
           <p:cNvSpPr>
             <a:spLocks noGrp="1"/>
           </p:cNvSpPr>
@@ -739,7 +657,7 @@
     </p:spTree>
     <p:extLst>
       <p:ext uri="{BB962C8B-B14F-4D97-AF65-F5344CB8AC3E}">
-        <p14:creationId xmlns:p14="http://schemas.microsoft.com/office/powerpoint/2010/main" val="3331464410"/>
+        <p14:creationId xmlns:p14="http://schemas.microsoft.com/office/powerpoint/2010/main" val="2478311130"/>
       </p:ext>
     </p:extLst>
   </p:cSld>
@@ -768,13 +686,7 @@
       </p:grpSpPr>
       <p:sp>
         <p:nvSpPr>
-          <p:cNvPr id="2" name="Title 1">
-            <a:extLst>
-              <a:ext uri="{FF2B5EF4-FFF2-40B4-BE49-F238E27FC236}">
-                <a16:creationId xmlns:a16="http://schemas.microsoft.com/office/drawing/2014/main" id="{C0E59C5B-0206-D966-14C9-1105BC9DE108}"/>
-              </a:ext>
-            </a:extLst>
-          </p:cNvPr>
+          <p:cNvPr id="2" name="Title 1"/>
           <p:cNvSpPr>
             <a:spLocks noGrp="1"/>
           </p:cNvSpPr>
@@ -791,18 +703,13 @@
               <a:rPr lang="en-US"/>
               <a:t>Click to edit Master title style</a:t>
             </a:r>
-          </a:p>
-        </p:txBody>
-      </p:sp>
-      <p:sp>
-        <p:nvSpPr>
-          <p:cNvPr id="3" name="Content Placeholder 2">
-            <a:extLst>
-              <a:ext uri="{FF2B5EF4-FFF2-40B4-BE49-F238E27FC236}">
-                <a16:creationId xmlns:a16="http://schemas.microsoft.com/office/drawing/2014/main" id="{BE2C077F-5585-9159-8B7E-2FD4002E71F1}"/>
-              </a:ext>
-            </a:extLst>
-          </p:cNvPr>
+            <a:endParaRPr lang="en-US" dirty="0"/>
+          </a:p>
+        </p:txBody>
+      </p:sp>
+      <p:sp>
+        <p:nvSpPr>
+          <p:cNvPr id="3" name="Content Placeholder 2"/>
           <p:cNvSpPr>
             <a:spLocks noGrp="1"/>
           </p:cNvSpPr>
@@ -848,18 +755,13 @@
               <a:rPr lang="en-US"/>
               <a:t>Fifth level</a:t>
             </a:r>
-          </a:p>
-        </p:txBody>
-      </p:sp>
-      <p:sp>
-        <p:nvSpPr>
-          <p:cNvPr id="4" name="Date Placeholder 3">
-            <a:extLst>
-              <a:ext uri="{FF2B5EF4-FFF2-40B4-BE49-F238E27FC236}">
-                <a16:creationId xmlns:a16="http://schemas.microsoft.com/office/drawing/2014/main" id="{758C890F-819A-89EC-2CE5-A149BDB1DDC1}"/>
-              </a:ext>
-            </a:extLst>
-          </p:cNvPr>
+            <a:endParaRPr lang="en-US" dirty="0"/>
+          </a:p>
+        </p:txBody>
+      </p:sp>
+      <p:sp>
+        <p:nvSpPr>
+          <p:cNvPr id="4" name="Date Placeholder 3"/>
           <p:cNvSpPr>
             <a:spLocks noGrp="1"/>
           </p:cNvSpPr>
@@ -874,7 +776,7 @@
           <a:p>
             <a:fld id="{0BBBA72C-B5DB-EC47-BDAE-427966AD6903}" type="datetimeFigureOut">
               <a:rPr lang="en-US" smtClean="0"/>
-              <a:t>5/13/22</a:t>
+              <a:t>5/15/22</a:t>
             </a:fld>
             <a:endParaRPr lang="en-US" dirty="0"/>
           </a:p>
@@ -882,13 +784,7 @@
       </p:sp>
       <p:sp>
         <p:nvSpPr>
-          <p:cNvPr id="5" name="Footer Placeholder 4">
-            <a:extLst>
-              <a:ext uri="{FF2B5EF4-FFF2-40B4-BE49-F238E27FC236}">
-                <a16:creationId xmlns:a16="http://schemas.microsoft.com/office/drawing/2014/main" id="{A0A03C9C-14EE-9988-E2AE-0C5062E8A1CE}"/>
-              </a:ext>
-            </a:extLst>
-          </p:cNvPr>
+          <p:cNvPr id="5" name="Footer Placeholder 4"/>
           <p:cNvSpPr>
             <a:spLocks noGrp="1"/>
           </p:cNvSpPr>
@@ -907,13 +803,7 @@
       </p:sp>
       <p:sp>
         <p:nvSpPr>
-          <p:cNvPr id="6" name="Slide Number Placeholder 5">
-            <a:extLst>
-              <a:ext uri="{FF2B5EF4-FFF2-40B4-BE49-F238E27FC236}">
-                <a16:creationId xmlns:a16="http://schemas.microsoft.com/office/drawing/2014/main" id="{99CA6F75-4F30-4745-6B35-B641EFEADB65}"/>
-              </a:ext>
-            </a:extLst>
-          </p:cNvPr>
+          <p:cNvPr id="6" name="Slide Number Placeholder 5"/>
           <p:cNvSpPr>
             <a:spLocks noGrp="1"/>
           </p:cNvSpPr>
@@ -937,7 +827,7 @@
     </p:spTree>
     <p:extLst>
       <p:ext uri="{BB962C8B-B14F-4D97-AF65-F5344CB8AC3E}">
-        <p14:creationId xmlns:p14="http://schemas.microsoft.com/office/powerpoint/2010/main" val="2829202484"/>
+        <p14:creationId xmlns:p14="http://schemas.microsoft.com/office/powerpoint/2010/main" val="3356519933"/>
       </p:ext>
     </p:extLst>
   </p:cSld>
@@ -966,13 +856,7 @@
       </p:grpSpPr>
       <p:sp>
         <p:nvSpPr>
-          <p:cNvPr id="2" name="Title 1">
-            <a:extLst>
-              <a:ext uri="{FF2B5EF4-FFF2-40B4-BE49-F238E27FC236}">
-                <a16:creationId xmlns:a16="http://schemas.microsoft.com/office/drawing/2014/main" id="{D76DE340-CCB7-B0C0-8563-BDB7DFB9309A}"/>
-              </a:ext>
-            </a:extLst>
-          </p:cNvPr>
+          <p:cNvPr id="2" name="Title 1"/>
           <p:cNvSpPr>
             <a:spLocks noGrp="1"/>
           </p:cNvSpPr>
@@ -982,8 +866,8 @@
         </p:nvSpPr>
         <p:spPr>
           <a:xfrm>
-            <a:off x="831850" y="1709738"/>
-            <a:ext cx="10515600" cy="2852737"/>
+            <a:off x="675879" y="1709740"/>
+            <a:ext cx="8543925" cy="2852737"/>
           </a:xfrm>
         </p:spPr>
         <p:txBody>
@@ -998,18 +882,13 @@
               <a:rPr lang="en-US"/>
               <a:t>Click to edit Master title style</a:t>
             </a:r>
-          </a:p>
-        </p:txBody>
-      </p:sp>
-      <p:sp>
-        <p:nvSpPr>
-          <p:cNvPr id="3" name="Text Placeholder 2">
-            <a:extLst>
-              <a:ext uri="{FF2B5EF4-FFF2-40B4-BE49-F238E27FC236}">
-                <a16:creationId xmlns:a16="http://schemas.microsoft.com/office/drawing/2014/main" id="{8FC14B31-45F4-8D73-39D9-00594DF84915}"/>
-              </a:ext>
-            </a:extLst>
-          </p:cNvPr>
+            <a:endParaRPr lang="en-US" dirty="0"/>
+          </a:p>
+        </p:txBody>
+      </p:sp>
+      <p:sp>
+        <p:nvSpPr>
+          <p:cNvPr id="3" name="Text Placeholder 2"/>
           <p:cNvSpPr>
             <a:spLocks noGrp="1"/>
           </p:cNvSpPr>
@@ -1019,8 +898,8 @@
         </p:nvSpPr>
         <p:spPr>
           <a:xfrm>
-            <a:off x="831850" y="4589463"/>
-            <a:ext cx="10515600" cy="1500187"/>
+            <a:off x="675879" y="4589465"/>
+            <a:ext cx="8543925" cy="1500187"/>
           </a:xfrm>
         </p:spPr>
         <p:txBody>
@@ -1030,9 +909,7 @@
               <a:buNone/>
               <a:defRPr sz="2400">
                 <a:solidFill>
-                  <a:schemeClr val="tx1">
-                    <a:tint val="75000"/>
-                  </a:schemeClr>
+                  <a:schemeClr val="tx1"/>
                 </a:solidFill>
               </a:defRPr>
             </a:lvl1pPr>
@@ -1128,13 +1005,7 @@
       </p:sp>
       <p:sp>
         <p:nvSpPr>
-          <p:cNvPr id="4" name="Date Placeholder 3">
-            <a:extLst>
-              <a:ext uri="{FF2B5EF4-FFF2-40B4-BE49-F238E27FC236}">
-                <a16:creationId xmlns:a16="http://schemas.microsoft.com/office/drawing/2014/main" id="{8406853A-EDC7-4FE4-2E6B-761734C5C71F}"/>
-              </a:ext>
-            </a:extLst>
-          </p:cNvPr>
+          <p:cNvPr id="4" name="Date Placeholder 3"/>
           <p:cNvSpPr>
             <a:spLocks noGrp="1"/>
           </p:cNvSpPr>
@@ -1149,7 +1020,7 @@
           <a:p>
             <a:fld id="{0BBBA72C-B5DB-EC47-BDAE-427966AD6903}" type="datetimeFigureOut">
               <a:rPr lang="en-US" smtClean="0"/>
-              <a:t>5/13/22</a:t>
+              <a:t>5/15/22</a:t>
             </a:fld>
             <a:endParaRPr lang="en-US" dirty="0"/>
           </a:p>
@@ -1157,13 +1028,7 @@
       </p:sp>
       <p:sp>
         <p:nvSpPr>
-          <p:cNvPr id="5" name="Footer Placeholder 4">
-            <a:extLst>
-              <a:ext uri="{FF2B5EF4-FFF2-40B4-BE49-F238E27FC236}">
-                <a16:creationId xmlns:a16="http://schemas.microsoft.com/office/drawing/2014/main" id="{1BA1C478-CDDA-F9F8-6215-C1698FE8B663}"/>
-              </a:ext>
-            </a:extLst>
-          </p:cNvPr>
+          <p:cNvPr id="5" name="Footer Placeholder 4"/>
           <p:cNvSpPr>
             <a:spLocks noGrp="1"/>
           </p:cNvSpPr>
@@ -1182,13 +1047,7 @@
       </p:sp>
       <p:sp>
         <p:nvSpPr>
-          <p:cNvPr id="6" name="Slide Number Placeholder 5">
-            <a:extLst>
-              <a:ext uri="{FF2B5EF4-FFF2-40B4-BE49-F238E27FC236}">
-                <a16:creationId xmlns:a16="http://schemas.microsoft.com/office/drawing/2014/main" id="{8B09B22A-3EA2-2023-2695-DD7516477ED1}"/>
-              </a:ext>
-            </a:extLst>
-          </p:cNvPr>
+          <p:cNvPr id="6" name="Slide Number Placeholder 5"/>
           <p:cNvSpPr>
             <a:spLocks noGrp="1"/>
           </p:cNvSpPr>
@@ -1212,7 +1071,7 @@
     </p:spTree>
     <p:extLst>
       <p:ext uri="{BB962C8B-B14F-4D97-AF65-F5344CB8AC3E}">
-        <p14:creationId xmlns:p14="http://schemas.microsoft.com/office/powerpoint/2010/main" val="2440266258"/>
+        <p14:creationId xmlns:p14="http://schemas.microsoft.com/office/powerpoint/2010/main" val="251110294"/>
       </p:ext>
     </p:extLst>
   </p:cSld>
@@ -1241,13 +1100,7 @@
       </p:grpSpPr>
       <p:sp>
         <p:nvSpPr>
-          <p:cNvPr id="2" name="Title 1">
-            <a:extLst>
-              <a:ext uri="{FF2B5EF4-FFF2-40B4-BE49-F238E27FC236}">
-                <a16:creationId xmlns:a16="http://schemas.microsoft.com/office/drawing/2014/main" id="{141BF65B-D203-A8AE-4EAC-DC6A1D9DF3AC}"/>
-              </a:ext>
-            </a:extLst>
-          </p:cNvPr>
+          <p:cNvPr id="2" name="Title 1"/>
           <p:cNvSpPr>
             <a:spLocks noGrp="1"/>
           </p:cNvSpPr>
@@ -1264,18 +1117,13 @@
               <a:rPr lang="en-US"/>
               <a:t>Click to edit Master title style</a:t>
             </a:r>
-          </a:p>
-        </p:txBody>
-      </p:sp>
-      <p:sp>
-        <p:nvSpPr>
-          <p:cNvPr id="3" name="Content Placeholder 2">
-            <a:extLst>
-              <a:ext uri="{FF2B5EF4-FFF2-40B4-BE49-F238E27FC236}">
-                <a16:creationId xmlns:a16="http://schemas.microsoft.com/office/drawing/2014/main" id="{A741E0FC-E939-C8F6-39C0-B9D6B7F3C48F}"/>
-              </a:ext>
-            </a:extLst>
-          </p:cNvPr>
+            <a:endParaRPr lang="en-US" dirty="0"/>
+          </a:p>
+        </p:txBody>
+      </p:sp>
+      <p:sp>
+        <p:nvSpPr>
+          <p:cNvPr id="3" name="Content Placeholder 2"/>
           <p:cNvSpPr>
             <a:spLocks noGrp="1"/>
           </p:cNvSpPr>
@@ -1285,8 +1133,8 @@
         </p:nvSpPr>
         <p:spPr>
           <a:xfrm>
-            <a:off x="838200" y="1825625"/>
-            <a:ext cx="5181600" cy="4351338"/>
+            <a:off x="681038" y="1825625"/>
+            <a:ext cx="4210050" cy="4351338"/>
           </a:xfrm>
         </p:spPr>
         <p:txBody>
@@ -1326,18 +1174,13 @@
               <a:rPr lang="en-US"/>
               <a:t>Fifth level</a:t>
             </a:r>
-          </a:p>
-        </p:txBody>
-      </p:sp>
-      <p:sp>
-        <p:nvSpPr>
-          <p:cNvPr id="4" name="Content Placeholder 3">
-            <a:extLst>
-              <a:ext uri="{FF2B5EF4-FFF2-40B4-BE49-F238E27FC236}">
-                <a16:creationId xmlns:a16="http://schemas.microsoft.com/office/drawing/2014/main" id="{A26ABCC3-9C32-51F7-6F98-B43FE5C2A7AB}"/>
-              </a:ext>
-            </a:extLst>
-          </p:cNvPr>
+            <a:endParaRPr lang="en-US" dirty="0"/>
+          </a:p>
+        </p:txBody>
+      </p:sp>
+      <p:sp>
+        <p:nvSpPr>
+          <p:cNvPr id="4" name="Content Placeholder 3"/>
           <p:cNvSpPr>
             <a:spLocks noGrp="1"/>
           </p:cNvSpPr>
@@ -1347,8 +1190,8 @@
         </p:nvSpPr>
         <p:spPr>
           <a:xfrm>
-            <a:off x="6172200" y="1825625"/>
-            <a:ext cx="5181600" cy="4351338"/>
+            <a:off x="5014913" y="1825625"/>
+            <a:ext cx="4210050" cy="4351338"/>
           </a:xfrm>
         </p:spPr>
         <p:txBody>
@@ -1388,18 +1231,13 @@
               <a:rPr lang="en-US"/>
               <a:t>Fifth level</a:t>
             </a:r>
-          </a:p>
-        </p:txBody>
-      </p:sp>
-      <p:sp>
-        <p:nvSpPr>
-          <p:cNvPr id="5" name="Date Placeholder 4">
-            <a:extLst>
-              <a:ext uri="{FF2B5EF4-FFF2-40B4-BE49-F238E27FC236}">
-                <a16:creationId xmlns:a16="http://schemas.microsoft.com/office/drawing/2014/main" id="{7FB344C0-3A1F-314C-4BB3-4FBF4D0C6AC5}"/>
-              </a:ext>
-            </a:extLst>
-          </p:cNvPr>
+            <a:endParaRPr lang="en-US" dirty="0"/>
+          </a:p>
+        </p:txBody>
+      </p:sp>
+      <p:sp>
+        <p:nvSpPr>
+          <p:cNvPr id="5" name="Date Placeholder 4"/>
           <p:cNvSpPr>
             <a:spLocks noGrp="1"/>
           </p:cNvSpPr>
@@ -1414,7 +1252,7 @@
           <a:p>
             <a:fld id="{0BBBA72C-B5DB-EC47-BDAE-427966AD6903}" type="datetimeFigureOut">
               <a:rPr lang="en-US" smtClean="0"/>
-              <a:t>5/13/22</a:t>
+              <a:t>5/15/22</a:t>
             </a:fld>
             <a:endParaRPr lang="en-US" dirty="0"/>
           </a:p>
@@ -1422,13 +1260,7 @@
       </p:sp>
       <p:sp>
         <p:nvSpPr>
-          <p:cNvPr id="6" name="Footer Placeholder 5">
-            <a:extLst>
-              <a:ext uri="{FF2B5EF4-FFF2-40B4-BE49-F238E27FC236}">
-                <a16:creationId xmlns:a16="http://schemas.microsoft.com/office/drawing/2014/main" id="{FB016F9C-CFB8-D5A3-1194-0CC891F21C6F}"/>
-              </a:ext>
-            </a:extLst>
-          </p:cNvPr>
+          <p:cNvPr id="6" name="Footer Placeholder 5"/>
           <p:cNvSpPr>
             <a:spLocks noGrp="1"/>
           </p:cNvSpPr>
@@ -1447,13 +1279,7 @@
       </p:sp>
       <p:sp>
         <p:nvSpPr>
-          <p:cNvPr id="7" name="Slide Number Placeholder 6">
-            <a:extLst>
-              <a:ext uri="{FF2B5EF4-FFF2-40B4-BE49-F238E27FC236}">
-                <a16:creationId xmlns:a16="http://schemas.microsoft.com/office/drawing/2014/main" id="{81B5C164-CE9A-9810-2388-260CD08549CF}"/>
-              </a:ext>
-            </a:extLst>
-          </p:cNvPr>
+          <p:cNvPr id="7" name="Slide Number Placeholder 6"/>
           <p:cNvSpPr>
             <a:spLocks noGrp="1"/>
           </p:cNvSpPr>
@@ -1477,7 +1303,7 @@
     </p:spTree>
     <p:extLst>
       <p:ext uri="{BB962C8B-B14F-4D97-AF65-F5344CB8AC3E}">
-        <p14:creationId xmlns:p14="http://schemas.microsoft.com/office/powerpoint/2010/main" val="3698935280"/>
+        <p14:creationId xmlns:p14="http://schemas.microsoft.com/office/powerpoint/2010/main" val="3082078662"/>
       </p:ext>
     </p:extLst>
   </p:cSld>
@@ -1506,13 +1332,7 @@
       </p:grpSpPr>
       <p:sp>
         <p:nvSpPr>
-          <p:cNvPr id="2" name="Title 1">
-            <a:extLst>
-              <a:ext uri="{FF2B5EF4-FFF2-40B4-BE49-F238E27FC236}">
-                <a16:creationId xmlns:a16="http://schemas.microsoft.com/office/drawing/2014/main" id="{866CCC7D-09DE-219F-0686-53940DFD37B1}"/>
-              </a:ext>
-            </a:extLst>
-          </p:cNvPr>
+          <p:cNvPr id="2" name="Title 1"/>
           <p:cNvSpPr>
             <a:spLocks noGrp="1"/>
           </p:cNvSpPr>
@@ -1522,8 +1342,8 @@
         </p:nvSpPr>
         <p:spPr>
           <a:xfrm>
-            <a:off x="839788" y="365125"/>
-            <a:ext cx="10515600" cy="1325563"/>
+            <a:off x="682328" y="365127"/>
+            <a:ext cx="8543925" cy="1325563"/>
           </a:xfrm>
         </p:spPr>
         <p:txBody>
@@ -1534,18 +1354,13 @@
               <a:rPr lang="en-US"/>
               <a:t>Click to edit Master title style</a:t>
             </a:r>
-          </a:p>
-        </p:txBody>
-      </p:sp>
-      <p:sp>
-        <p:nvSpPr>
-          <p:cNvPr id="3" name="Text Placeholder 2">
-            <a:extLst>
-              <a:ext uri="{FF2B5EF4-FFF2-40B4-BE49-F238E27FC236}">
-                <a16:creationId xmlns:a16="http://schemas.microsoft.com/office/drawing/2014/main" id="{90C44690-4685-1F61-F3AB-6182DC9D477D}"/>
-              </a:ext>
-            </a:extLst>
-          </p:cNvPr>
+            <a:endParaRPr lang="en-US" dirty="0"/>
+          </a:p>
+        </p:txBody>
+      </p:sp>
+      <p:sp>
+        <p:nvSpPr>
+          <p:cNvPr id="3" name="Text Placeholder 2"/>
           <p:cNvSpPr>
             <a:spLocks noGrp="1"/>
           </p:cNvSpPr>
@@ -1555,8 +1370,8 @@
         </p:nvSpPr>
         <p:spPr>
           <a:xfrm>
-            <a:off x="839788" y="1681163"/>
-            <a:ext cx="5157787" cy="823912"/>
+            <a:off x="682329" y="1681163"/>
+            <a:ext cx="4190702" cy="823912"/>
           </a:xfrm>
         </p:spPr>
         <p:txBody>
@@ -1610,13 +1425,7 @@
       </p:sp>
       <p:sp>
         <p:nvSpPr>
-          <p:cNvPr id="4" name="Content Placeholder 3">
-            <a:extLst>
-              <a:ext uri="{FF2B5EF4-FFF2-40B4-BE49-F238E27FC236}">
-                <a16:creationId xmlns:a16="http://schemas.microsoft.com/office/drawing/2014/main" id="{BAEF2DB2-FBDD-814C-AA13-DBB242C730D5}"/>
-              </a:ext>
-            </a:extLst>
-          </p:cNvPr>
+          <p:cNvPr id="4" name="Content Placeholder 3"/>
           <p:cNvSpPr>
             <a:spLocks noGrp="1"/>
           </p:cNvSpPr>
@@ -1626,8 +1435,8 @@
         </p:nvSpPr>
         <p:spPr>
           <a:xfrm>
-            <a:off x="839788" y="2505075"/>
-            <a:ext cx="5157787" cy="3684588"/>
+            <a:off x="682329" y="2505075"/>
+            <a:ext cx="4190702" cy="3684588"/>
           </a:xfrm>
         </p:spPr>
         <p:txBody>
@@ -1667,18 +1476,13 @@
               <a:rPr lang="en-US"/>
               <a:t>Fifth level</a:t>
             </a:r>
-          </a:p>
-        </p:txBody>
-      </p:sp>
-      <p:sp>
-        <p:nvSpPr>
-          <p:cNvPr id="5" name="Text Placeholder 4">
-            <a:extLst>
-              <a:ext uri="{FF2B5EF4-FFF2-40B4-BE49-F238E27FC236}">
-                <a16:creationId xmlns:a16="http://schemas.microsoft.com/office/drawing/2014/main" id="{88CD7F09-1A53-BB43-1380-9C46D65D233C}"/>
-              </a:ext>
-            </a:extLst>
-          </p:cNvPr>
+            <a:endParaRPr lang="en-US" dirty="0"/>
+          </a:p>
+        </p:txBody>
+      </p:sp>
+      <p:sp>
+        <p:nvSpPr>
+          <p:cNvPr id="5" name="Text Placeholder 4"/>
           <p:cNvSpPr>
             <a:spLocks noGrp="1"/>
           </p:cNvSpPr>
@@ -1688,8 +1492,8 @@
         </p:nvSpPr>
         <p:spPr>
           <a:xfrm>
-            <a:off x="6172200" y="1681163"/>
-            <a:ext cx="5183188" cy="823912"/>
+            <a:off x="5014913" y="1681163"/>
+            <a:ext cx="4211340" cy="823912"/>
           </a:xfrm>
         </p:spPr>
         <p:txBody>
@@ -1743,13 +1547,7 @@
       </p:sp>
       <p:sp>
         <p:nvSpPr>
-          <p:cNvPr id="6" name="Content Placeholder 5">
-            <a:extLst>
-              <a:ext uri="{FF2B5EF4-FFF2-40B4-BE49-F238E27FC236}">
-                <a16:creationId xmlns:a16="http://schemas.microsoft.com/office/drawing/2014/main" id="{B2480DFF-C1E4-9B84-89F9-F12CC957253F}"/>
-              </a:ext>
-            </a:extLst>
-          </p:cNvPr>
+          <p:cNvPr id="6" name="Content Placeholder 5"/>
           <p:cNvSpPr>
             <a:spLocks noGrp="1"/>
           </p:cNvSpPr>
@@ -1759,8 +1557,8 @@
         </p:nvSpPr>
         <p:spPr>
           <a:xfrm>
-            <a:off x="6172200" y="2505075"/>
-            <a:ext cx="5183188" cy="3684588"/>
+            <a:off x="5014913" y="2505075"/>
+            <a:ext cx="4211340" cy="3684588"/>
           </a:xfrm>
         </p:spPr>
         <p:txBody>
@@ -1800,18 +1598,13 @@
               <a:rPr lang="en-US"/>
               <a:t>Fifth level</a:t>
             </a:r>
-          </a:p>
-        </p:txBody>
-      </p:sp>
-      <p:sp>
-        <p:nvSpPr>
-          <p:cNvPr id="7" name="Date Placeholder 6">
-            <a:extLst>
-              <a:ext uri="{FF2B5EF4-FFF2-40B4-BE49-F238E27FC236}">
-                <a16:creationId xmlns:a16="http://schemas.microsoft.com/office/drawing/2014/main" id="{3EB1D36C-6B47-B404-C990-92251198972C}"/>
-              </a:ext>
-            </a:extLst>
-          </p:cNvPr>
+            <a:endParaRPr lang="en-US" dirty="0"/>
+          </a:p>
+        </p:txBody>
+      </p:sp>
+      <p:sp>
+        <p:nvSpPr>
+          <p:cNvPr id="7" name="Date Placeholder 6"/>
           <p:cNvSpPr>
             <a:spLocks noGrp="1"/>
           </p:cNvSpPr>
@@ -1826,7 +1619,7 @@
           <a:p>
             <a:fld id="{0BBBA72C-B5DB-EC47-BDAE-427966AD6903}" type="datetimeFigureOut">
               <a:rPr lang="en-US" smtClean="0"/>
-              <a:t>5/13/22</a:t>
+              <a:t>5/15/22</a:t>
             </a:fld>
             <a:endParaRPr lang="en-US" dirty="0"/>
           </a:p>
@@ -1834,13 +1627,7 @@
       </p:sp>
       <p:sp>
         <p:nvSpPr>
-          <p:cNvPr id="8" name="Footer Placeholder 7">
-            <a:extLst>
-              <a:ext uri="{FF2B5EF4-FFF2-40B4-BE49-F238E27FC236}">
-                <a16:creationId xmlns:a16="http://schemas.microsoft.com/office/drawing/2014/main" id="{8D135E04-4E0A-562D-45CD-EB09A7B01078}"/>
-              </a:ext>
-            </a:extLst>
-          </p:cNvPr>
+          <p:cNvPr id="8" name="Footer Placeholder 7"/>
           <p:cNvSpPr>
             <a:spLocks noGrp="1"/>
           </p:cNvSpPr>
@@ -1859,13 +1646,7 @@
       </p:sp>
       <p:sp>
         <p:nvSpPr>
-          <p:cNvPr id="9" name="Slide Number Placeholder 8">
-            <a:extLst>
-              <a:ext uri="{FF2B5EF4-FFF2-40B4-BE49-F238E27FC236}">
-                <a16:creationId xmlns:a16="http://schemas.microsoft.com/office/drawing/2014/main" id="{5FA72504-03F7-36D0-A7F2-078E823616EC}"/>
-              </a:ext>
-            </a:extLst>
-          </p:cNvPr>
+          <p:cNvPr id="9" name="Slide Number Placeholder 8"/>
           <p:cNvSpPr>
             <a:spLocks noGrp="1"/>
           </p:cNvSpPr>
@@ -1889,7 +1670,7 @@
     </p:spTree>
     <p:extLst>
       <p:ext uri="{BB962C8B-B14F-4D97-AF65-F5344CB8AC3E}">
-        <p14:creationId xmlns:p14="http://schemas.microsoft.com/office/powerpoint/2010/main" val="1071566661"/>
+        <p14:creationId xmlns:p14="http://schemas.microsoft.com/office/powerpoint/2010/main" val="1930123351"/>
       </p:ext>
     </p:extLst>
   </p:cSld>
@@ -1918,13 +1699,7 @@
       </p:grpSpPr>
       <p:sp>
         <p:nvSpPr>
-          <p:cNvPr id="2" name="Title 1">
-            <a:extLst>
-              <a:ext uri="{FF2B5EF4-FFF2-40B4-BE49-F238E27FC236}">
-                <a16:creationId xmlns:a16="http://schemas.microsoft.com/office/drawing/2014/main" id="{914E9815-2CCF-5E5C-8305-713DBB0E58C5}"/>
-              </a:ext>
-            </a:extLst>
-          </p:cNvPr>
+          <p:cNvPr id="2" name="Title 1"/>
           <p:cNvSpPr>
             <a:spLocks noGrp="1"/>
           </p:cNvSpPr>
@@ -1941,18 +1716,13 @@
               <a:rPr lang="en-US"/>
               <a:t>Click to edit Master title style</a:t>
             </a:r>
-          </a:p>
-        </p:txBody>
-      </p:sp>
-      <p:sp>
-        <p:nvSpPr>
-          <p:cNvPr id="3" name="Date Placeholder 2">
-            <a:extLst>
-              <a:ext uri="{FF2B5EF4-FFF2-40B4-BE49-F238E27FC236}">
-                <a16:creationId xmlns:a16="http://schemas.microsoft.com/office/drawing/2014/main" id="{C7164DBB-A8DC-D28F-CDE4-33307974D4E9}"/>
-              </a:ext>
-            </a:extLst>
-          </p:cNvPr>
+            <a:endParaRPr lang="en-US" dirty="0"/>
+          </a:p>
+        </p:txBody>
+      </p:sp>
+      <p:sp>
+        <p:nvSpPr>
+          <p:cNvPr id="3" name="Date Placeholder 2"/>
           <p:cNvSpPr>
             <a:spLocks noGrp="1"/>
           </p:cNvSpPr>
@@ -1967,7 +1737,7 @@
           <a:p>
             <a:fld id="{0BBBA72C-B5DB-EC47-BDAE-427966AD6903}" type="datetimeFigureOut">
               <a:rPr lang="en-US" smtClean="0"/>
-              <a:t>5/13/22</a:t>
+              <a:t>5/15/22</a:t>
             </a:fld>
             <a:endParaRPr lang="en-US" dirty="0"/>
           </a:p>
@@ -1975,13 +1745,7 @@
       </p:sp>
       <p:sp>
         <p:nvSpPr>
-          <p:cNvPr id="4" name="Footer Placeholder 3">
-            <a:extLst>
-              <a:ext uri="{FF2B5EF4-FFF2-40B4-BE49-F238E27FC236}">
-                <a16:creationId xmlns:a16="http://schemas.microsoft.com/office/drawing/2014/main" id="{6AABAD4E-C985-5518-6433-E775E70E7022}"/>
-              </a:ext>
-            </a:extLst>
-          </p:cNvPr>
+          <p:cNvPr id="4" name="Footer Placeholder 3"/>
           <p:cNvSpPr>
             <a:spLocks noGrp="1"/>
           </p:cNvSpPr>
@@ -2000,13 +1764,7 @@
       </p:sp>
       <p:sp>
         <p:nvSpPr>
-          <p:cNvPr id="5" name="Slide Number Placeholder 4">
-            <a:extLst>
-              <a:ext uri="{FF2B5EF4-FFF2-40B4-BE49-F238E27FC236}">
-                <a16:creationId xmlns:a16="http://schemas.microsoft.com/office/drawing/2014/main" id="{B130BE56-C990-4B71-3351-804E3C252F73}"/>
-              </a:ext>
-            </a:extLst>
-          </p:cNvPr>
+          <p:cNvPr id="5" name="Slide Number Placeholder 4"/>
           <p:cNvSpPr>
             <a:spLocks noGrp="1"/>
           </p:cNvSpPr>
@@ -2030,7 +1788,7 @@
     </p:spTree>
     <p:extLst>
       <p:ext uri="{BB962C8B-B14F-4D97-AF65-F5344CB8AC3E}">
-        <p14:creationId xmlns:p14="http://schemas.microsoft.com/office/powerpoint/2010/main" val="152318091"/>
+        <p14:creationId xmlns:p14="http://schemas.microsoft.com/office/powerpoint/2010/main" val="109632236"/>
       </p:ext>
     </p:extLst>
   </p:cSld>
@@ -2059,13 +1817,7 @@
       </p:grpSpPr>
       <p:sp>
         <p:nvSpPr>
-          <p:cNvPr id="2" name="Date Placeholder 1">
-            <a:extLst>
-              <a:ext uri="{FF2B5EF4-FFF2-40B4-BE49-F238E27FC236}">
-                <a16:creationId xmlns:a16="http://schemas.microsoft.com/office/drawing/2014/main" id="{9D0B8666-2D56-06A9-F9F7-1B9539CF9967}"/>
-              </a:ext>
-            </a:extLst>
-          </p:cNvPr>
+          <p:cNvPr id="2" name="Date Placeholder 1"/>
           <p:cNvSpPr>
             <a:spLocks noGrp="1"/>
           </p:cNvSpPr>
@@ -2080,7 +1832,7 @@
           <a:p>
             <a:fld id="{0BBBA72C-B5DB-EC47-BDAE-427966AD6903}" type="datetimeFigureOut">
               <a:rPr lang="en-US" smtClean="0"/>
-              <a:t>5/13/22</a:t>
+              <a:t>5/15/22</a:t>
             </a:fld>
             <a:endParaRPr lang="en-US" dirty="0"/>
           </a:p>
@@ -2088,13 +1840,7 @@
       </p:sp>
       <p:sp>
         <p:nvSpPr>
-          <p:cNvPr id="3" name="Footer Placeholder 2">
-            <a:extLst>
-              <a:ext uri="{FF2B5EF4-FFF2-40B4-BE49-F238E27FC236}">
-                <a16:creationId xmlns:a16="http://schemas.microsoft.com/office/drawing/2014/main" id="{BE503DFE-51D1-3EE8-1199-BF7094EFF82C}"/>
-              </a:ext>
-            </a:extLst>
-          </p:cNvPr>
+          <p:cNvPr id="3" name="Footer Placeholder 2"/>
           <p:cNvSpPr>
             <a:spLocks noGrp="1"/>
           </p:cNvSpPr>
@@ -2113,13 +1859,7 @@
       </p:sp>
       <p:sp>
         <p:nvSpPr>
-          <p:cNvPr id="4" name="Slide Number Placeholder 3">
-            <a:extLst>
-              <a:ext uri="{FF2B5EF4-FFF2-40B4-BE49-F238E27FC236}">
-                <a16:creationId xmlns:a16="http://schemas.microsoft.com/office/drawing/2014/main" id="{F2B0ABAB-2B5E-C13E-EB7C-3A115D3607CC}"/>
-              </a:ext>
-            </a:extLst>
-          </p:cNvPr>
+          <p:cNvPr id="4" name="Slide Number Placeholder 3"/>
           <p:cNvSpPr>
             <a:spLocks noGrp="1"/>
           </p:cNvSpPr>
@@ -2143,7 +1883,7 @@
     </p:spTree>
     <p:extLst>
       <p:ext uri="{BB962C8B-B14F-4D97-AF65-F5344CB8AC3E}">
-        <p14:creationId xmlns:p14="http://schemas.microsoft.com/office/powerpoint/2010/main" val="1296804784"/>
+        <p14:creationId xmlns:p14="http://schemas.microsoft.com/office/powerpoint/2010/main" val="2071512209"/>
       </p:ext>
     </p:extLst>
   </p:cSld>
@@ -2172,13 +1912,7 @@
       </p:grpSpPr>
       <p:sp>
         <p:nvSpPr>
-          <p:cNvPr id="2" name="Title 1">
-            <a:extLst>
-              <a:ext uri="{FF2B5EF4-FFF2-40B4-BE49-F238E27FC236}">
-                <a16:creationId xmlns:a16="http://schemas.microsoft.com/office/drawing/2014/main" id="{50CE2FCA-872D-B908-BE06-8C790E5AC14C}"/>
-              </a:ext>
-            </a:extLst>
-          </p:cNvPr>
+          <p:cNvPr id="2" name="Title 1"/>
           <p:cNvSpPr>
             <a:spLocks noGrp="1"/>
           </p:cNvSpPr>
@@ -2188,8 +1922,8 @@
         </p:nvSpPr>
         <p:spPr>
           <a:xfrm>
-            <a:off x="839788" y="457200"/>
-            <a:ext cx="3932237" cy="1600200"/>
+            <a:off x="682328" y="457200"/>
+            <a:ext cx="3194943" cy="1600200"/>
           </a:xfrm>
         </p:spPr>
         <p:txBody>
@@ -2204,18 +1938,13 @@
               <a:rPr lang="en-US"/>
               <a:t>Click to edit Master title style</a:t>
             </a:r>
-          </a:p>
-        </p:txBody>
-      </p:sp>
-      <p:sp>
-        <p:nvSpPr>
-          <p:cNvPr id="3" name="Content Placeholder 2">
-            <a:extLst>
-              <a:ext uri="{FF2B5EF4-FFF2-40B4-BE49-F238E27FC236}">
-                <a16:creationId xmlns:a16="http://schemas.microsoft.com/office/drawing/2014/main" id="{78130A6A-AC91-F5BA-1262-EAE76909ACA5}"/>
-              </a:ext>
-            </a:extLst>
-          </p:cNvPr>
+            <a:endParaRPr lang="en-US" dirty="0"/>
+          </a:p>
+        </p:txBody>
+      </p:sp>
+      <p:sp>
+        <p:nvSpPr>
+          <p:cNvPr id="3" name="Content Placeholder 2"/>
           <p:cNvSpPr>
             <a:spLocks noGrp="1"/>
           </p:cNvSpPr>
@@ -2225,8 +1954,8 @@
         </p:nvSpPr>
         <p:spPr>
           <a:xfrm>
-            <a:off x="5183188" y="987425"/>
-            <a:ext cx="6172200" cy="4873625"/>
+            <a:off x="4211340" y="987427"/>
+            <a:ext cx="5014913" cy="4873625"/>
           </a:xfrm>
         </p:spPr>
         <p:txBody>
@@ -2294,18 +2023,13 @@
               <a:rPr lang="en-US"/>
               <a:t>Fifth level</a:t>
             </a:r>
-          </a:p>
-        </p:txBody>
-      </p:sp>
-      <p:sp>
-        <p:nvSpPr>
-          <p:cNvPr id="4" name="Text Placeholder 3">
-            <a:extLst>
-              <a:ext uri="{FF2B5EF4-FFF2-40B4-BE49-F238E27FC236}">
-                <a16:creationId xmlns:a16="http://schemas.microsoft.com/office/drawing/2014/main" id="{FE1718D0-D3B6-D070-2C08-168E6CE55257}"/>
-              </a:ext>
-            </a:extLst>
-          </p:cNvPr>
+            <a:endParaRPr lang="en-US" dirty="0"/>
+          </a:p>
+        </p:txBody>
+      </p:sp>
+      <p:sp>
+        <p:nvSpPr>
+          <p:cNvPr id="4" name="Text Placeholder 3"/>
           <p:cNvSpPr>
             <a:spLocks noGrp="1"/>
           </p:cNvSpPr>
@@ -2315,8 +2039,8 @@
         </p:nvSpPr>
         <p:spPr>
           <a:xfrm>
-            <a:off x="839788" y="2057400"/>
-            <a:ext cx="3932237" cy="3811588"/>
+            <a:off x="682328" y="2057400"/>
+            <a:ext cx="3194943" cy="3811588"/>
           </a:xfrm>
         </p:spPr>
         <p:txBody>
@@ -2370,13 +2094,7 @@
       </p:sp>
       <p:sp>
         <p:nvSpPr>
-          <p:cNvPr id="5" name="Date Placeholder 4">
-            <a:extLst>
-              <a:ext uri="{FF2B5EF4-FFF2-40B4-BE49-F238E27FC236}">
-                <a16:creationId xmlns:a16="http://schemas.microsoft.com/office/drawing/2014/main" id="{0A5CFC1C-F7A9-A677-E57D-C778B6521E22}"/>
-              </a:ext>
-            </a:extLst>
-          </p:cNvPr>
+          <p:cNvPr id="5" name="Date Placeholder 4"/>
           <p:cNvSpPr>
             <a:spLocks noGrp="1"/>
           </p:cNvSpPr>
@@ -2391,7 +2109,7 @@
           <a:p>
             <a:fld id="{0BBBA72C-B5DB-EC47-BDAE-427966AD6903}" type="datetimeFigureOut">
               <a:rPr lang="en-US" smtClean="0"/>
-              <a:t>5/13/22</a:t>
+              <a:t>5/15/22</a:t>
             </a:fld>
             <a:endParaRPr lang="en-US" dirty="0"/>
           </a:p>
@@ -2399,13 +2117,7 @@
       </p:sp>
       <p:sp>
         <p:nvSpPr>
-          <p:cNvPr id="6" name="Footer Placeholder 5">
-            <a:extLst>
-              <a:ext uri="{FF2B5EF4-FFF2-40B4-BE49-F238E27FC236}">
-                <a16:creationId xmlns:a16="http://schemas.microsoft.com/office/drawing/2014/main" id="{3389AC14-2331-0D4A-9B20-A6AE3BAB436C}"/>
-              </a:ext>
-            </a:extLst>
-          </p:cNvPr>
+          <p:cNvPr id="6" name="Footer Placeholder 5"/>
           <p:cNvSpPr>
             <a:spLocks noGrp="1"/>
           </p:cNvSpPr>
@@ -2424,13 +2136,7 @@
       </p:sp>
       <p:sp>
         <p:nvSpPr>
-          <p:cNvPr id="7" name="Slide Number Placeholder 6">
-            <a:extLst>
-              <a:ext uri="{FF2B5EF4-FFF2-40B4-BE49-F238E27FC236}">
-                <a16:creationId xmlns:a16="http://schemas.microsoft.com/office/drawing/2014/main" id="{F54E9225-D753-3378-27FD-CCE8F6559BFE}"/>
-              </a:ext>
-            </a:extLst>
-          </p:cNvPr>
+          <p:cNvPr id="7" name="Slide Number Placeholder 6"/>
           <p:cNvSpPr>
             <a:spLocks noGrp="1"/>
           </p:cNvSpPr>
@@ -2454,7 +2160,7 @@
     </p:spTree>
     <p:extLst>
       <p:ext uri="{BB962C8B-B14F-4D97-AF65-F5344CB8AC3E}">
-        <p14:creationId xmlns:p14="http://schemas.microsoft.com/office/powerpoint/2010/main" val="887195181"/>
+        <p14:creationId xmlns:p14="http://schemas.microsoft.com/office/powerpoint/2010/main" val="3063075850"/>
       </p:ext>
     </p:extLst>
   </p:cSld>
@@ -2483,13 +2189,7 @@
       </p:grpSpPr>
       <p:sp>
         <p:nvSpPr>
-          <p:cNvPr id="2" name="Title 1">
-            <a:extLst>
-              <a:ext uri="{FF2B5EF4-FFF2-40B4-BE49-F238E27FC236}">
-                <a16:creationId xmlns:a16="http://schemas.microsoft.com/office/drawing/2014/main" id="{7CB596B9-403A-2FC9-C9FA-88421C6167B7}"/>
-              </a:ext>
-            </a:extLst>
-          </p:cNvPr>
+          <p:cNvPr id="2" name="Title 1"/>
           <p:cNvSpPr>
             <a:spLocks noGrp="1"/>
           </p:cNvSpPr>
@@ -2499,8 +2199,8 @@
         </p:nvSpPr>
         <p:spPr>
           <a:xfrm>
-            <a:off x="839788" y="457200"/>
-            <a:ext cx="3932237" cy="1600200"/>
+            <a:off x="682328" y="457200"/>
+            <a:ext cx="3194943" cy="1600200"/>
           </a:xfrm>
         </p:spPr>
         <p:txBody>
@@ -2515,20 +2215,15 @@
               <a:rPr lang="en-US"/>
               <a:t>Click to edit Master title style</a:t>
             </a:r>
-          </a:p>
-        </p:txBody>
-      </p:sp>
-      <p:sp>
-        <p:nvSpPr>
-          <p:cNvPr id="3" name="Picture Placeholder 2">
-            <a:extLst>
-              <a:ext uri="{FF2B5EF4-FFF2-40B4-BE49-F238E27FC236}">
-                <a16:creationId xmlns:a16="http://schemas.microsoft.com/office/drawing/2014/main" id="{07924F1E-F6FB-1035-8004-380FAAD8848D}"/>
-              </a:ext>
-            </a:extLst>
-          </p:cNvPr>
-          <p:cNvSpPr>
-            <a:spLocks noGrp="1"/>
+            <a:endParaRPr lang="en-US" dirty="0"/>
+          </a:p>
+        </p:txBody>
+      </p:sp>
+      <p:sp>
+        <p:nvSpPr>
+          <p:cNvPr id="3" name="Picture Placeholder 2"/>
+          <p:cNvSpPr>
+            <a:spLocks noGrp="1" noChangeAspect="1"/>
           </p:cNvSpPr>
           <p:nvPr>
             <p:ph type="pic" idx="1"/>
@@ -2536,8 +2231,73 @@
         </p:nvSpPr>
         <p:spPr>
           <a:xfrm>
-            <a:off x="5183188" y="987425"/>
-            <a:ext cx="6172200" cy="4873625"/>
+            <a:off x="4211340" y="987427"/>
+            <a:ext cx="5014913" cy="4873625"/>
+          </a:xfrm>
+        </p:spPr>
+        <p:txBody>
+          <a:bodyPr anchor="t"/>
+          <a:lstStyle>
+            <a:lvl1pPr marL="0" indent="0">
+              <a:buNone/>
+              <a:defRPr sz="3200"/>
+            </a:lvl1pPr>
+            <a:lvl2pPr marL="457200" indent="0">
+              <a:buNone/>
+              <a:defRPr sz="2800"/>
+            </a:lvl2pPr>
+            <a:lvl3pPr marL="914400" indent="0">
+              <a:buNone/>
+              <a:defRPr sz="2400"/>
+            </a:lvl3pPr>
+            <a:lvl4pPr marL="1371600" indent="0">
+              <a:buNone/>
+              <a:defRPr sz="2000"/>
+            </a:lvl4pPr>
+            <a:lvl5pPr marL="1828800" indent="0">
+              <a:buNone/>
+              <a:defRPr sz="2000"/>
+            </a:lvl5pPr>
+            <a:lvl6pPr marL="2286000" indent="0">
+              <a:buNone/>
+              <a:defRPr sz="2000"/>
+            </a:lvl6pPr>
+            <a:lvl7pPr marL="2743200" indent="0">
+              <a:buNone/>
+              <a:defRPr sz="2000"/>
+            </a:lvl7pPr>
+            <a:lvl8pPr marL="3200400" indent="0">
+              <a:buNone/>
+              <a:defRPr sz="2000"/>
+            </a:lvl8pPr>
+            <a:lvl9pPr marL="3657600" indent="0">
+              <a:buNone/>
+              <a:defRPr sz="2000"/>
+            </a:lvl9pPr>
+          </a:lstStyle>
+          <a:p>
+            <a:r>
+              <a:rPr lang="en-US"/>
+              <a:t>Click icon to add picture</a:t>
+            </a:r>
+            <a:endParaRPr lang="en-US" dirty="0"/>
+          </a:p>
+        </p:txBody>
+      </p:sp>
+      <p:sp>
+        <p:nvSpPr>
+          <p:cNvPr id="4" name="Text Placeholder 3"/>
+          <p:cNvSpPr>
+            <a:spLocks noGrp="1"/>
+          </p:cNvSpPr>
+          <p:nvPr>
+            <p:ph type="body" sz="half" idx="2"/>
+          </p:nvPr>
+        </p:nvSpPr>
+        <p:spPr>
+          <a:xfrm>
+            <a:off x="682328" y="2057400"/>
+            <a:ext cx="3194943" cy="3811588"/>
           </a:xfrm>
         </p:spPr>
         <p:txBody>
@@ -2545,73 +2305,6 @@
           <a:lstStyle>
             <a:lvl1pPr marL="0" indent="0">
               <a:buNone/>
-              <a:defRPr sz="3200"/>
-            </a:lvl1pPr>
-            <a:lvl2pPr marL="457200" indent="0">
-              <a:buNone/>
-              <a:defRPr sz="2800"/>
-            </a:lvl2pPr>
-            <a:lvl3pPr marL="914400" indent="0">
-              <a:buNone/>
-              <a:defRPr sz="2400"/>
-            </a:lvl3pPr>
-            <a:lvl4pPr marL="1371600" indent="0">
-              <a:buNone/>
-              <a:defRPr sz="2000"/>
-            </a:lvl4pPr>
-            <a:lvl5pPr marL="1828800" indent="0">
-              <a:buNone/>
-              <a:defRPr sz="2000"/>
-            </a:lvl5pPr>
-            <a:lvl6pPr marL="2286000" indent="0">
-              <a:buNone/>
-              <a:defRPr sz="2000"/>
-            </a:lvl6pPr>
-            <a:lvl7pPr marL="2743200" indent="0">
-              <a:buNone/>
-              <a:defRPr sz="2000"/>
-            </a:lvl7pPr>
-            <a:lvl8pPr marL="3200400" indent="0">
-              <a:buNone/>
-              <a:defRPr sz="2000"/>
-            </a:lvl8pPr>
-            <a:lvl9pPr marL="3657600" indent="0">
-              <a:buNone/>
-              <a:defRPr sz="2000"/>
-            </a:lvl9pPr>
-          </a:lstStyle>
-          <a:p>
-            <a:endParaRPr lang="en-US" dirty="0"/>
-          </a:p>
-        </p:txBody>
-      </p:sp>
-      <p:sp>
-        <p:nvSpPr>
-          <p:cNvPr id="4" name="Text Placeholder 3">
-            <a:extLst>
-              <a:ext uri="{FF2B5EF4-FFF2-40B4-BE49-F238E27FC236}">
-                <a16:creationId xmlns:a16="http://schemas.microsoft.com/office/drawing/2014/main" id="{26BC14FA-A16E-F050-6D27-7035ACB07452}"/>
-              </a:ext>
-            </a:extLst>
-          </p:cNvPr>
-          <p:cNvSpPr>
-            <a:spLocks noGrp="1"/>
-          </p:cNvSpPr>
-          <p:nvPr>
-            <p:ph type="body" sz="half" idx="2"/>
-          </p:nvPr>
-        </p:nvSpPr>
-        <p:spPr>
-          <a:xfrm>
-            <a:off x="839788" y="2057400"/>
-            <a:ext cx="3932237" cy="3811588"/>
-          </a:xfrm>
-        </p:spPr>
-        <p:txBody>
-          <a:bodyPr/>
-          <a:lstStyle>
-            <a:lvl1pPr marL="0" indent="0">
-              <a:buNone/>
               <a:defRPr sz="1600"/>
             </a:lvl1pPr>
             <a:lvl2pPr marL="457200" indent="0">
@@ -2658,13 +2351,7 @@
       </p:sp>
       <p:sp>
         <p:nvSpPr>
-          <p:cNvPr id="5" name="Date Placeholder 4">
-            <a:extLst>
-              <a:ext uri="{FF2B5EF4-FFF2-40B4-BE49-F238E27FC236}">
-                <a16:creationId xmlns:a16="http://schemas.microsoft.com/office/drawing/2014/main" id="{AEA61D49-C254-929E-6B2A-1DE2C24AEFD6}"/>
-              </a:ext>
-            </a:extLst>
-          </p:cNvPr>
+          <p:cNvPr id="5" name="Date Placeholder 4"/>
           <p:cNvSpPr>
             <a:spLocks noGrp="1"/>
           </p:cNvSpPr>
@@ -2679,7 +2366,7 @@
           <a:p>
             <a:fld id="{0BBBA72C-B5DB-EC47-BDAE-427966AD6903}" type="datetimeFigureOut">
               <a:rPr lang="en-US" smtClean="0"/>
-              <a:t>5/13/22</a:t>
+              <a:t>5/15/22</a:t>
             </a:fld>
             <a:endParaRPr lang="en-US" dirty="0"/>
           </a:p>
@@ -2687,13 +2374,7 @@
       </p:sp>
       <p:sp>
         <p:nvSpPr>
-          <p:cNvPr id="6" name="Footer Placeholder 5">
-            <a:extLst>
-              <a:ext uri="{FF2B5EF4-FFF2-40B4-BE49-F238E27FC236}">
-                <a16:creationId xmlns:a16="http://schemas.microsoft.com/office/drawing/2014/main" id="{D9D49944-6E77-94A6-73B8-6ABE943C240E}"/>
-              </a:ext>
-            </a:extLst>
-          </p:cNvPr>
+          <p:cNvPr id="6" name="Footer Placeholder 5"/>
           <p:cNvSpPr>
             <a:spLocks noGrp="1"/>
           </p:cNvSpPr>
@@ -2712,13 +2393,7 @@
       </p:sp>
       <p:sp>
         <p:nvSpPr>
-          <p:cNvPr id="7" name="Slide Number Placeholder 6">
-            <a:extLst>
-              <a:ext uri="{FF2B5EF4-FFF2-40B4-BE49-F238E27FC236}">
-                <a16:creationId xmlns:a16="http://schemas.microsoft.com/office/drawing/2014/main" id="{267A463E-8086-5A35-0837-3504807E536A}"/>
-              </a:ext>
-            </a:extLst>
-          </p:cNvPr>
+          <p:cNvPr id="7" name="Slide Number Placeholder 6"/>
           <p:cNvSpPr>
             <a:spLocks noGrp="1"/>
           </p:cNvSpPr>
@@ -2742,7 +2417,7 @@
     </p:spTree>
     <p:extLst>
       <p:ext uri="{BB962C8B-B14F-4D97-AF65-F5344CB8AC3E}">
-        <p14:creationId xmlns:p14="http://schemas.microsoft.com/office/powerpoint/2010/main" val="246749877"/>
+        <p14:creationId xmlns:p14="http://schemas.microsoft.com/office/powerpoint/2010/main" val="1751096864"/>
       </p:ext>
     </p:extLst>
   </p:cSld>
@@ -2776,13 +2451,7 @@
       </p:grpSpPr>
       <p:sp>
         <p:nvSpPr>
-          <p:cNvPr id="2" name="Title Placeholder 1">
-            <a:extLst>
-              <a:ext uri="{FF2B5EF4-FFF2-40B4-BE49-F238E27FC236}">
-                <a16:creationId xmlns:a16="http://schemas.microsoft.com/office/drawing/2014/main" id="{FA16E449-A2C9-2E22-9BE1-6ADF2F444D28}"/>
-              </a:ext>
-            </a:extLst>
-          </p:cNvPr>
+          <p:cNvPr id="2" name="Title Placeholder 1"/>
           <p:cNvSpPr>
             <a:spLocks noGrp="1"/>
           </p:cNvSpPr>
@@ -2792,8 +2461,8 @@
         </p:nvSpPr>
         <p:spPr>
           <a:xfrm>
-            <a:off x="838200" y="365125"/>
-            <a:ext cx="10515600" cy="1325563"/>
+            <a:off x="681038" y="365127"/>
+            <a:ext cx="8543925" cy="1325563"/>
           </a:xfrm>
           <a:prstGeom prst="rect">
             <a:avLst/>
@@ -2809,18 +2478,13 @@
               <a:rPr lang="en-US"/>
               <a:t>Click to edit Master title style</a:t>
             </a:r>
-          </a:p>
-        </p:txBody>
-      </p:sp>
-      <p:sp>
-        <p:nvSpPr>
-          <p:cNvPr id="3" name="Text Placeholder 2">
-            <a:extLst>
-              <a:ext uri="{FF2B5EF4-FFF2-40B4-BE49-F238E27FC236}">
-                <a16:creationId xmlns:a16="http://schemas.microsoft.com/office/drawing/2014/main" id="{BB6B195F-CB43-1A63-D236-ABEE5B5C91FE}"/>
-              </a:ext>
-            </a:extLst>
-          </p:cNvPr>
+            <a:endParaRPr lang="en-US" dirty="0"/>
+          </a:p>
+        </p:txBody>
+      </p:sp>
+      <p:sp>
+        <p:nvSpPr>
+          <p:cNvPr id="3" name="Text Placeholder 2"/>
           <p:cNvSpPr>
             <a:spLocks noGrp="1"/>
           </p:cNvSpPr>
@@ -2830,8 +2494,8 @@
         </p:nvSpPr>
         <p:spPr>
           <a:xfrm>
-            <a:off x="838200" y="1825625"/>
-            <a:ext cx="10515600" cy="4351338"/>
+            <a:off x="681038" y="1825625"/>
+            <a:ext cx="8543925" cy="4351338"/>
           </a:xfrm>
           <a:prstGeom prst="rect">
             <a:avLst/>
@@ -2876,18 +2540,13 @@
               <a:rPr lang="en-US"/>
               <a:t>Fifth level</a:t>
             </a:r>
-          </a:p>
-        </p:txBody>
-      </p:sp>
-      <p:sp>
-        <p:nvSpPr>
-          <p:cNvPr id="4" name="Date Placeholder 3">
-            <a:extLst>
-              <a:ext uri="{FF2B5EF4-FFF2-40B4-BE49-F238E27FC236}">
-                <a16:creationId xmlns:a16="http://schemas.microsoft.com/office/drawing/2014/main" id="{23653D60-B1F4-2976-34D0-B3014E14AF70}"/>
-              </a:ext>
-            </a:extLst>
-          </p:cNvPr>
+            <a:endParaRPr lang="en-US" dirty="0"/>
+          </a:p>
+        </p:txBody>
+      </p:sp>
+      <p:sp>
+        <p:nvSpPr>
+          <p:cNvPr id="4" name="Date Placeholder 3"/>
           <p:cNvSpPr>
             <a:spLocks noGrp="1"/>
           </p:cNvSpPr>
@@ -2897,8 +2556,8 @@
         </p:nvSpPr>
         <p:spPr>
           <a:xfrm>
-            <a:off x="838200" y="6356350"/>
-            <a:ext cx="2743200" cy="365125"/>
+            <a:off x="681038" y="6356352"/>
+            <a:ext cx="2228850" cy="365125"/>
           </a:xfrm>
           <a:prstGeom prst="rect">
             <a:avLst/>
@@ -2920,7 +2579,7 @@
           <a:p>
             <a:fld id="{0BBBA72C-B5DB-EC47-BDAE-427966AD6903}" type="datetimeFigureOut">
               <a:rPr lang="en-US" smtClean="0"/>
-              <a:t>5/13/22</a:t>
+              <a:t>5/15/22</a:t>
             </a:fld>
             <a:endParaRPr lang="en-US" dirty="0"/>
           </a:p>
@@ -2928,13 +2587,7 @@
       </p:sp>
       <p:sp>
         <p:nvSpPr>
-          <p:cNvPr id="5" name="Footer Placeholder 4">
-            <a:extLst>
-              <a:ext uri="{FF2B5EF4-FFF2-40B4-BE49-F238E27FC236}">
-                <a16:creationId xmlns:a16="http://schemas.microsoft.com/office/drawing/2014/main" id="{E1378964-C980-6A7E-9E72-40AD1156E904}"/>
-              </a:ext>
-            </a:extLst>
-          </p:cNvPr>
+          <p:cNvPr id="5" name="Footer Placeholder 4"/>
           <p:cNvSpPr>
             <a:spLocks noGrp="1"/>
           </p:cNvSpPr>
@@ -2944,8 +2597,8 @@
         </p:nvSpPr>
         <p:spPr>
           <a:xfrm>
-            <a:off x="4038600" y="6356350"/>
-            <a:ext cx="4114800" cy="365125"/>
+            <a:off x="3281363" y="6356352"/>
+            <a:ext cx="3343275" cy="365125"/>
           </a:xfrm>
           <a:prstGeom prst="rect">
             <a:avLst/>
@@ -2971,13 +2624,7 @@
       </p:sp>
       <p:sp>
         <p:nvSpPr>
-          <p:cNvPr id="6" name="Slide Number Placeholder 5">
-            <a:extLst>
-              <a:ext uri="{FF2B5EF4-FFF2-40B4-BE49-F238E27FC236}">
-                <a16:creationId xmlns:a16="http://schemas.microsoft.com/office/drawing/2014/main" id="{16C7D35F-7F33-7B27-A1EC-B1BE556604FE}"/>
-              </a:ext>
-            </a:extLst>
-          </p:cNvPr>
+          <p:cNvPr id="6" name="Slide Number Placeholder 5"/>
           <p:cNvSpPr>
             <a:spLocks noGrp="1"/>
           </p:cNvSpPr>
@@ -2987,8 +2634,8 @@
         </p:nvSpPr>
         <p:spPr>
           <a:xfrm>
-            <a:off x="8610600" y="6356350"/>
-            <a:ext cx="2743200" cy="365125"/>
+            <a:off x="6996113" y="6356352"/>
+            <a:ext cx="2228850" cy="365125"/>
           </a:xfrm>
           <a:prstGeom prst="rect">
             <a:avLst/>
@@ -3019,23 +2666,23 @@
     </p:spTree>
     <p:extLst>
       <p:ext uri="{BB962C8B-B14F-4D97-AF65-F5344CB8AC3E}">
-        <p14:creationId xmlns:p14="http://schemas.microsoft.com/office/powerpoint/2010/main" val="3472919048"/>
+        <p14:creationId xmlns:p14="http://schemas.microsoft.com/office/powerpoint/2010/main" val="2440862243"/>
       </p:ext>
     </p:extLst>
   </p:cSld>
   <p:clrMap bg1="lt1" tx1="dk1" bg2="lt2" tx2="dk2" accent1="accent1" accent2="accent2" accent3="accent3" accent4="accent4" accent5="accent5" accent6="accent6" hlink="hlink" folHlink="folHlink"/>
   <p:sldLayoutIdLst>
-    <p:sldLayoutId id="2147483649" r:id="rId1"/>
-    <p:sldLayoutId id="2147483650" r:id="rId2"/>
-    <p:sldLayoutId id="2147483651" r:id="rId3"/>
-    <p:sldLayoutId id="2147483652" r:id="rId4"/>
-    <p:sldLayoutId id="2147483653" r:id="rId5"/>
-    <p:sldLayoutId id="2147483654" r:id="rId6"/>
-    <p:sldLayoutId id="2147483655" r:id="rId7"/>
-    <p:sldLayoutId id="2147483656" r:id="rId8"/>
-    <p:sldLayoutId id="2147483657" r:id="rId9"/>
-    <p:sldLayoutId id="2147483658" r:id="rId10"/>
-    <p:sldLayoutId id="2147483659" r:id="rId11"/>
+    <p:sldLayoutId id="2147483661" r:id="rId1"/>
+    <p:sldLayoutId id="2147483662" r:id="rId2"/>
+    <p:sldLayoutId id="2147483663" r:id="rId3"/>
+    <p:sldLayoutId id="2147483664" r:id="rId4"/>
+    <p:sldLayoutId id="2147483665" r:id="rId5"/>
+    <p:sldLayoutId id="2147483666" r:id="rId6"/>
+    <p:sldLayoutId id="2147483667" r:id="rId7"/>
+    <p:sldLayoutId id="2147483668" r:id="rId8"/>
+    <p:sldLayoutId id="2147483669" r:id="rId9"/>
+    <p:sldLayoutId id="2147483670" r:id="rId10"/>
+    <p:sldLayoutId id="2147483671" r:id="rId11"/>
   </p:sldLayoutIdLst>
   <p:txStyles>
     <p:titleStyle>
@@ -3358,7 +3005,7 @@
           </p:nvPr>
         </p:nvGraphicFramePr>
         <p:xfrm>
-          <a:off x="6581563" y="3921152"/>
+          <a:off x="5438564" y="3921152"/>
           <a:ext cx="3019637" cy="1419948"/>
         </p:xfrm>
         <a:graphic>
@@ -3927,7 +3574,7 @@
         </p:blipFill>
         <p:spPr>
           <a:xfrm>
-            <a:off x="584356" y="0"/>
+            <a:off x="-558644" y="0"/>
             <a:ext cx="5511644" cy="6858000"/>
           </a:xfrm>
           <a:prstGeom prst="rect">
@@ -3956,7 +3603,7 @@
           </p:nvPr>
         </p:nvGraphicFramePr>
         <p:xfrm>
-          <a:off x="5344886" y="1163334"/>
+          <a:off x="4201886" y="1163334"/>
           <a:ext cx="4256314" cy="721742"/>
         </p:xfrm>
         <a:graphic>
@@ -4379,7 +4026,7 @@
         </p:nvSpPr>
         <p:spPr>
           <a:xfrm>
-            <a:off x="4822166" y="414068"/>
+            <a:off x="3679167" y="414069"/>
             <a:ext cx="315991" cy="2220275"/>
           </a:xfrm>
           <a:prstGeom prst="rightBrace">
@@ -4429,7 +4076,7 @@
         </p:nvSpPr>
         <p:spPr>
           <a:xfrm>
-            <a:off x="6096000" y="3024739"/>
+            <a:off x="4953001" y="3024740"/>
             <a:ext cx="315991" cy="3212775"/>
           </a:xfrm>
           <a:prstGeom prst="rightBrace">
@@ -4479,7 +4126,7 @@
         </p:nvSpPr>
         <p:spPr>
           <a:xfrm>
-            <a:off x="5239634" y="792000"/>
+            <a:off x="4096634" y="792000"/>
             <a:ext cx="2272714" cy="338554"/>
           </a:xfrm>
           <a:prstGeom prst="rect">
@@ -4514,7 +4161,7 @@
         </p:nvSpPr>
         <p:spPr>
           <a:xfrm>
-            <a:off x="6479234" y="3554194"/>
+            <a:off x="5336234" y="3554194"/>
             <a:ext cx="2272714" cy="338554"/>
           </a:xfrm>
           <a:prstGeom prst="rect">
@@ -4548,10 +4195,362 @@
 </p:sld>
 </file>
 
+<file path=ppt/slides/slide2.xml><?xml version="1.0" encoding="utf-8"?>
+<p:sld xmlns:a="http://schemas.openxmlformats.org/drawingml/2006/main" xmlns:r="http://schemas.openxmlformats.org/officeDocument/2006/relationships" xmlns:p="http://schemas.openxmlformats.org/presentationml/2006/main">
+  <p:cSld>
+    <p:spTree>
+      <p:nvGrpSpPr>
+        <p:cNvPr id="1" name=""/>
+        <p:cNvGrpSpPr/>
+        <p:nvPr/>
+      </p:nvGrpSpPr>
+      <p:grpSpPr>
+        <a:xfrm>
+          <a:off x="0" y="0"/>
+          <a:ext cx="0" cy="0"/>
+          <a:chOff x="0" y="0"/>
+          <a:chExt cx="0" cy="0"/>
+        </a:xfrm>
+      </p:grpSpPr>
+      <p:pic>
+        <p:nvPicPr>
+          <p:cNvPr id="3" name="Picture 2">
+            <a:extLst>
+              <a:ext uri="{FF2B5EF4-FFF2-40B4-BE49-F238E27FC236}">
+                <a16:creationId xmlns:a16="http://schemas.microsoft.com/office/drawing/2014/main" id="{BB69CAD3-DD01-BC54-921D-CB5B9FA4D7A4}"/>
+              </a:ext>
+            </a:extLst>
+          </p:cNvPr>
+          <p:cNvPicPr>
+            <a:picLocks noChangeAspect="1"/>
+          </p:cNvPicPr>
+          <p:nvPr/>
+        </p:nvPicPr>
+        <p:blipFill>
+          <a:blip r:embed="rId2"/>
+          <a:stretch>
+            <a:fillRect/>
+          </a:stretch>
+        </p:blipFill>
+        <p:spPr>
+          <a:xfrm>
+            <a:off x="-1333468" y="-450938"/>
+            <a:ext cx="12161277" cy="8107517"/>
+          </a:xfrm>
+          <a:prstGeom prst="rect">
+            <a:avLst/>
+          </a:prstGeom>
+        </p:spPr>
+      </p:pic>
+      <p:cxnSp>
+        <p:nvCxnSpPr>
+          <p:cNvPr id="5" name="Straight Arrow Connector 4">
+            <a:extLst>
+              <a:ext uri="{FF2B5EF4-FFF2-40B4-BE49-F238E27FC236}">
+                <a16:creationId xmlns:a16="http://schemas.microsoft.com/office/drawing/2014/main" id="{D1CFE7CE-E90D-E1A3-50E3-54760E726588}"/>
+              </a:ext>
+            </a:extLst>
+          </p:cNvPr>
+          <p:cNvCxnSpPr>
+            <a:cxnSpLocks/>
+          </p:cNvCxnSpPr>
+          <p:nvPr/>
+        </p:nvCxnSpPr>
+        <p:spPr>
+          <a:xfrm>
+            <a:off x="613775" y="2192055"/>
+            <a:ext cx="8580329" cy="4196219"/>
+          </a:xfrm>
+          <a:prstGeom prst="straightConnector1">
+            <a:avLst/>
+          </a:prstGeom>
+          <a:ln w="57150">
+            <a:solidFill>
+              <a:srgbClr val="FF0000"/>
+            </a:solidFill>
+            <a:headEnd w="lg" len="lg"/>
+            <a:tailEnd type="triangle" w="lg" len="lg"/>
+          </a:ln>
+        </p:spPr>
+        <p:style>
+          <a:lnRef idx="1">
+            <a:schemeClr val="accent1"/>
+          </a:lnRef>
+          <a:fillRef idx="0">
+            <a:schemeClr val="accent1"/>
+          </a:fillRef>
+          <a:effectRef idx="0">
+            <a:schemeClr val="accent1"/>
+          </a:effectRef>
+          <a:fontRef idx="minor">
+            <a:schemeClr val="tx1"/>
+          </a:fontRef>
+        </p:style>
+      </p:cxnSp>
+    </p:spTree>
+    <p:extLst>
+      <p:ext uri="{BB962C8B-B14F-4D97-AF65-F5344CB8AC3E}">
+        <p14:creationId xmlns:p14="http://schemas.microsoft.com/office/powerpoint/2010/main" val="1892919339"/>
+      </p:ext>
+    </p:extLst>
+  </p:cSld>
+  <p:clrMapOvr>
+    <a:masterClrMapping/>
+  </p:clrMapOvr>
+</p:sld>
+</file>
+
+<file path=ppt/slides/slide3.xml><?xml version="1.0" encoding="utf-8"?>
+<p:sld xmlns:a="http://schemas.openxmlformats.org/drawingml/2006/main" xmlns:r="http://schemas.openxmlformats.org/officeDocument/2006/relationships" xmlns:p="http://schemas.openxmlformats.org/presentationml/2006/main">
+  <p:cSld>
+    <p:spTree>
+      <p:nvGrpSpPr>
+        <p:cNvPr id="1" name=""/>
+        <p:cNvGrpSpPr/>
+        <p:nvPr/>
+      </p:nvGrpSpPr>
+      <p:grpSpPr>
+        <a:xfrm>
+          <a:off x="0" y="0"/>
+          <a:ext cx="0" cy="0"/>
+          <a:chOff x="0" y="0"/>
+          <a:chExt cx="0" cy="0"/>
+        </a:xfrm>
+      </p:grpSpPr>
+      <p:pic>
+        <p:nvPicPr>
+          <p:cNvPr id="3" name="Picture 2">
+            <a:extLst>
+              <a:ext uri="{FF2B5EF4-FFF2-40B4-BE49-F238E27FC236}">
+                <a16:creationId xmlns:a16="http://schemas.microsoft.com/office/drawing/2014/main" id="{BB69CAD3-DD01-BC54-921D-CB5B9FA4D7A4}"/>
+              </a:ext>
+            </a:extLst>
+          </p:cNvPr>
+          <p:cNvPicPr>
+            <a:picLocks noChangeAspect="1"/>
+          </p:cNvPicPr>
+          <p:nvPr/>
+        </p:nvPicPr>
+        <p:blipFill>
+          <a:blip r:embed="rId2"/>
+          <a:stretch>
+            <a:fillRect/>
+          </a:stretch>
+        </p:blipFill>
+        <p:spPr>
+          <a:xfrm>
+            <a:off x="-1275630" y="-312967"/>
+            <a:ext cx="11921205" cy="7947470"/>
+          </a:xfrm>
+          <a:prstGeom prst="rect">
+            <a:avLst/>
+          </a:prstGeom>
+        </p:spPr>
+      </p:pic>
+      <p:cxnSp>
+        <p:nvCxnSpPr>
+          <p:cNvPr id="4" name="Straight Arrow Connector 3">
+            <a:extLst>
+              <a:ext uri="{FF2B5EF4-FFF2-40B4-BE49-F238E27FC236}">
+                <a16:creationId xmlns:a16="http://schemas.microsoft.com/office/drawing/2014/main" id="{A230A0F0-CAFC-4131-EA7A-302448BB2A0F}"/>
+              </a:ext>
+            </a:extLst>
+          </p:cNvPr>
+          <p:cNvCxnSpPr>
+            <a:cxnSpLocks/>
+          </p:cNvCxnSpPr>
+          <p:nvPr/>
+        </p:nvCxnSpPr>
+        <p:spPr>
+          <a:xfrm flipV="1">
+            <a:off x="228279" y="6379186"/>
+            <a:ext cx="8787575" cy="262218"/>
+          </a:xfrm>
+          <a:prstGeom prst="straightConnector1">
+            <a:avLst/>
+          </a:prstGeom>
+          <a:ln w="57150">
+            <a:solidFill>
+              <a:schemeClr val="tx1">
+                <a:lumMod val="65000"/>
+                <a:lumOff val="35000"/>
+              </a:schemeClr>
+            </a:solidFill>
+            <a:headEnd w="lg" len="lg"/>
+            <a:tailEnd type="triangle" w="lg" len="lg"/>
+          </a:ln>
+        </p:spPr>
+        <p:style>
+          <a:lnRef idx="1">
+            <a:schemeClr val="accent1"/>
+          </a:lnRef>
+          <a:fillRef idx="0">
+            <a:schemeClr val="accent1"/>
+          </a:fillRef>
+          <a:effectRef idx="0">
+            <a:schemeClr val="accent1"/>
+          </a:effectRef>
+          <a:fontRef idx="minor">
+            <a:schemeClr val="tx1"/>
+          </a:fontRef>
+        </p:style>
+      </p:cxnSp>
+      <p:cxnSp>
+        <p:nvCxnSpPr>
+          <p:cNvPr id="5" name="Straight Arrow Connector 4">
+            <a:extLst>
+              <a:ext uri="{FF2B5EF4-FFF2-40B4-BE49-F238E27FC236}">
+                <a16:creationId xmlns:a16="http://schemas.microsoft.com/office/drawing/2014/main" id="{F15F0E2F-AC71-B5E4-D9EA-36350E8266DD}"/>
+              </a:ext>
+            </a:extLst>
+          </p:cNvPr>
+          <p:cNvCxnSpPr>
+            <a:cxnSpLocks/>
+          </p:cNvCxnSpPr>
+          <p:nvPr/>
+        </p:nvCxnSpPr>
+        <p:spPr>
+          <a:xfrm flipH="1">
+            <a:off x="228279" y="2273352"/>
+            <a:ext cx="423504" cy="4368053"/>
+          </a:xfrm>
+          <a:prstGeom prst="straightConnector1">
+            <a:avLst/>
+          </a:prstGeom>
+          <a:ln w="57150">
+            <a:solidFill>
+              <a:schemeClr val="tx1">
+                <a:lumMod val="65000"/>
+                <a:lumOff val="35000"/>
+              </a:schemeClr>
+            </a:solidFill>
+            <a:headEnd type="triangle" w="lg" len="lg"/>
+            <a:tailEnd type="none" w="lg" len="lg"/>
+          </a:ln>
+        </p:spPr>
+        <p:style>
+          <a:lnRef idx="1">
+            <a:schemeClr val="accent1"/>
+          </a:lnRef>
+          <a:fillRef idx="0">
+            <a:schemeClr val="accent1"/>
+          </a:fillRef>
+          <a:effectRef idx="0">
+            <a:schemeClr val="accent1"/>
+          </a:effectRef>
+          <a:fontRef idx="minor">
+            <a:schemeClr val="tx1"/>
+          </a:fontRef>
+        </p:style>
+      </p:cxnSp>
+      <p:sp>
+        <p:nvSpPr>
+          <p:cNvPr id="8" name="Arc 7">
+            <a:extLst>
+              <a:ext uri="{FF2B5EF4-FFF2-40B4-BE49-F238E27FC236}">
+                <a16:creationId xmlns:a16="http://schemas.microsoft.com/office/drawing/2014/main" id="{373ABAF4-A748-5979-FE76-616B885C7210}"/>
+              </a:ext>
+            </a:extLst>
+          </p:cNvPr>
+          <p:cNvSpPr>
+            <a:spLocks noChangeAspect="1"/>
+          </p:cNvSpPr>
+          <p:nvPr/>
+        </p:nvSpPr>
+        <p:spPr>
+          <a:xfrm>
+            <a:off x="-2040721" y="3982442"/>
+            <a:ext cx="5104010" cy="5104010"/>
+          </a:xfrm>
+          <a:prstGeom prst="arc">
+            <a:avLst/>
+          </a:prstGeom>
+          <a:noFill/>
+          <a:ln w="57150">
+            <a:solidFill>
+              <a:srgbClr val="FF0000"/>
+            </a:solidFill>
+          </a:ln>
+        </p:spPr>
+        <p:style>
+          <a:lnRef idx="1">
+            <a:schemeClr val="accent1"/>
+          </a:lnRef>
+          <a:fillRef idx="0">
+            <a:schemeClr val="accent1"/>
+          </a:fillRef>
+          <a:effectRef idx="0">
+            <a:schemeClr val="accent1"/>
+          </a:effectRef>
+          <a:fontRef idx="minor">
+            <a:schemeClr val="tx1"/>
+          </a:fontRef>
+        </p:style>
+        <p:txBody>
+          <a:bodyPr rtlCol="0" anchor="ctr"/>
+          <a:lstStyle/>
+          <a:p>
+            <a:pPr algn="ctr"/>
+            <a:endParaRPr lang="en-US"/>
+          </a:p>
+        </p:txBody>
+      </p:sp>
+      <p:sp>
+        <p:nvSpPr>
+          <p:cNvPr id="9" name="TextBox 8">
+            <a:extLst>
+              <a:ext uri="{FF2B5EF4-FFF2-40B4-BE49-F238E27FC236}">
+                <a16:creationId xmlns:a16="http://schemas.microsoft.com/office/drawing/2014/main" id="{87A8B5D2-1443-BF77-FBA4-619885511A45}"/>
+              </a:ext>
+            </a:extLst>
+          </p:cNvPr>
+          <p:cNvSpPr txBox="1"/>
+          <p:nvPr/>
+        </p:nvSpPr>
+        <p:spPr>
+          <a:xfrm>
+            <a:off x="2403304" y="4139646"/>
+            <a:ext cx="1629104" cy="923330"/>
+          </a:xfrm>
+          <a:prstGeom prst="rect">
+            <a:avLst/>
+          </a:prstGeom>
+          <a:noFill/>
+        </p:spPr>
+        <p:txBody>
+          <a:bodyPr wrap="square" rtlCol="0">
+            <a:spAutoFit/>
+          </a:bodyPr>
+          <a:lstStyle/>
+          <a:p>
+            <a:r>
+              <a:rPr lang="en-US" sz="5400" dirty="0">
+                <a:solidFill>
+                  <a:srgbClr val="FF0000"/>
+                </a:solidFill>
+              </a:rPr>
+              <a:t>𝜽</a:t>
+            </a:r>
+          </a:p>
+        </p:txBody>
+      </p:sp>
+    </p:spTree>
+    <p:extLst>
+      <p:ext uri="{BB962C8B-B14F-4D97-AF65-F5344CB8AC3E}">
+        <p14:creationId xmlns:p14="http://schemas.microsoft.com/office/powerpoint/2010/main" val="1315733415"/>
+      </p:ext>
+    </p:extLst>
+  </p:cSld>
+  <p:clrMapOvr>
+    <a:masterClrMapping/>
+  </p:clrMapOvr>
+</p:sld>
+</file>
+
 <file path=ppt/theme/theme1.xml><?xml version="1.0" encoding="utf-8"?>
 <a:theme xmlns:a="http://schemas.openxmlformats.org/drawingml/2006/main" name="Office Theme">
   <a:themeElements>
-    <a:clrScheme name="Office">
+    <a:clrScheme name="Office Theme">
       <a:dk1>
         <a:sysClr val="windowText" lastClr="000000"/>
       </a:dk1>
@@ -4589,7 +4588,7 @@
         <a:srgbClr val="954F72"/>
       </a:folHlink>
     </a:clrScheme>
-    <a:fontScheme name="Office">
+    <a:fontScheme name="Office Theme">
       <a:majorFont>
         <a:latin typeface="Calibri Light" panose="020F0302020204030204"/>
         <a:ea typeface=""/>
@@ -4624,23 +4623,6 @@
         <a:font script="Viet" typeface="Times New Roman"/>
         <a:font script="Uigh" typeface="Microsoft Uighur"/>
         <a:font script="Geor" typeface="Sylfaen"/>
-        <a:font script="Armn" typeface="Arial"/>
-        <a:font script="Bugi" typeface="Leelawadee UI"/>
-        <a:font script="Bopo" typeface="Microsoft JhengHei"/>
-        <a:font script="Java" typeface="Javanese Text"/>
-        <a:font script="Lisu" typeface="Segoe UI"/>
-        <a:font script="Mymr" typeface="Myanmar Text"/>
-        <a:font script="Nkoo" typeface="Ebrima"/>
-        <a:font script="Olck" typeface="Nirmala UI"/>
-        <a:font script="Osma" typeface="Ebrima"/>
-        <a:font script="Phag" typeface="Phagspa"/>
-        <a:font script="Syrn" typeface="Estrangelo Edessa"/>
-        <a:font script="Syrj" typeface="Estrangelo Edessa"/>
-        <a:font script="Syre" typeface="Estrangelo Edessa"/>
-        <a:font script="Sora" typeface="Nirmala UI"/>
-        <a:font script="Tale" typeface="Microsoft Tai Le"/>
-        <a:font script="Talu" typeface="Microsoft New Tai Lue"/>
-        <a:font script="Tfng" typeface="Ebrima"/>
       </a:majorFont>
       <a:minorFont>
         <a:latin typeface="Calibri" panose="020F0502020204030204"/>
@@ -4676,26 +4658,9 @@
         <a:font script="Viet" typeface="Arial"/>
         <a:font script="Uigh" typeface="Microsoft Uighur"/>
         <a:font script="Geor" typeface="Sylfaen"/>
-        <a:font script="Armn" typeface="Arial"/>
-        <a:font script="Bugi" typeface="Leelawadee UI"/>
-        <a:font script="Bopo" typeface="Microsoft JhengHei"/>
-        <a:font script="Java" typeface="Javanese Text"/>
-        <a:font script="Lisu" typeface="Segoe UI"/>
-        <a:font script="Mymr" typeface="Myanmar Text"/>
-        <a:font script="Nkoo" typeface="Ebrima"/>
-        <a:font script="Olck" typeface="Nirmala UI"/>
-        <a:font script="Osma" typeface="Ebrima"/>
-        <a:font script="Phag" typeface="Phagspa"/>
-        <a:font script="Syrn" typeface="Estrangelo Edessa"/>
-        <a:font script="Syrj" typeface="Estrangelo Edessa"/>
-        <a:font script="Syre" typeface="Estrangelo Edessa"/>
-        <a:font script="Sora" typeface="Nirmala UI"/>
-        <a:font script="Tale" typeface="Microsoft Tai Le"/>
-        <a:font script="Talu" typeface="Microsoft New Tai Lue"/>
-        <a:font script="Tfng" typeface="Ebrima"/>
       </a:minorFont>
     </a:fontScheme>
-    <a:fmtScheme name="Office">
+    <a:fmtScheme name="Office Theme">
       <a:fillStyleLst>
         <a:solidFill>
           <a:schemeClr val="phClr"/>

--- a/Bilder/preprocessing/Presentation1.pptx
+++ b/Bilder/preprocessing/Presentation1.pptx
@@ -8,6 +8,7 @@
     <p:sldId id="256" r:id="rId2"/>
     <p:sldId id="257" r:id="rId3"/>
     <p:sldId id="258" r:id="rId4"/>
+    <p:sldId id="259" r:id="rId5"/>
   </p:sldIdLst>
   <p:sldSz cx="9906000" cy="6858000" type="A4"/>
   <p:notesSz cx="6858000" cy="9144000"/>
@@ -256,7 +257,7 @@
           <a:p>
             <a:fld id="{0BBBA72C-B5DB-EC47-BDAE-427966AD6903}" type="datetimeFigureOut">
               <a:rPr lang="en-US" smtClean="0"/>
-              <a:t>5/15/22</a:t>
+              <a:t>5/24/22</a:t>
             </a:fld>
             <a:endParaRPr lang="en-US" dirty="0"/>
           </a:p>
@@ -426,7 +427,7 @@
           <a:p>
             <a:fld id="{0BBBA72C-B5DB-EC47-BDAE-427966AD6903}" type="datetimeFigureOut">
               <a:rPr lang="en-US" smtClean="0"/>
-              <a:t>5/15/22</a:t>
+              <a:t>5/24/22</a:t>
             </a:fld>
             <a:endParaRPr lang="en-US" dirty="0"/>
           </a:p>
@@ -606,7 +607,7 @@
           <a:p>
             <a:fld id="{0BBBA72C-B5DB-EC47-BDAE-427966AD6903}" type="datetimeFigureOut">
               <a:rPr lang="en-US" smtClean="0"/>
-              <a:t>5/15/22</a:t>
+              <a:t>5/24/22</a:t>
             </a:fld>
             <a:endParaRPr lang="en-US" dirty="0"/>
           </a:p>
@@ -776,7 +777,7 @@
           <a:p>
             <a:fld id="{0BBBA72C-B5DB-EC47-BDAE-427966AD6903}" type="datetimeFigureOut">
               <a:rPr lang="en-US" smtClean="0"/>
-              <a:t>5/15/22</a:t>
+              <a:t>5/24/22</a:t>
             </a:fld>
             <a:endParaRPr lang="en-US" dirty="0"/>
           </a:p>
@@ -1020,7 +1021,7 @@
           <a:p>
             <a:fld id="{0BBBA72C-B5DB-EC47-BDAE-427966AD6903}" type="datetimeFigureOut">
               <a:rPr lang="en-US" smtClean="0"/>
-              <a:t>5/15/22</a:t>
+              <a:t>5/24/22</a:t>
             </a:fld>
             <a:endParaRPr lang="en-US" dirty="0"/>
           </a:p>
@@ -1252,7 +1253,7 @@
           <a:p>
             <a:fld id="{0BBBA72C-B5DB-EC47-BDAE-427966AD6903}" type="datetimeFigureOut">
               <a:rPr lang="en-US" smtClean="0"/>
-              <a:t>5/15/22</a:t>
+              <a:t>5/24/22</a:t>
             </a:fld>
             <a:endParaRPr lang="en-US" dirty="0"/>
           </a:p>
@@ -1619,7 +1620,7 @@
           <a:p>
             <a:fld id="{0BBBA72C-B5DB-EC47-BDAE-427966AD6903}" type="datetimeFigureOut">
               <a:rPr lang="en-US" smtClean="0"/>
-              <a:t>5/15/22</a:t>
+              <a:t>5/24/22</a:t>
             </a:fld>
             <a:endParaRPr lang="en-US" dirty="0"/>
           </a:p>
@@ -1737,7 +1738,7 @@
           <a:p>
             <a:fld id="{0BBBA72C-B5DB-EC47-BDAE-427966AD6903}" type="datetimeFigureOut">
               <a:rPr lang="en-US" smtClean="0"/>
-              <a:t>5/15/22</a:t>
+              <a:t>5/24/22</a:t>
             </a:fld>
             <a:endParaRPr lang="en-US" dirty="0"/>
           </a:p>
@@ -1832,7 +1833,7 @@
           <a:p>
             <a:fld id="{0BBBA72C-B5DB-EC47-BDAE-427966AD6903}" type="datetimeFigureOut">
               <a:rPr lang="en-US" smtClean="0"/>
-              <a:t>5/15/22</a:t>
+              <a:t>5/24/22</a:t>
             </a:fld>
             <a:endParaRPr lang="en-US" dirty="0"/>
           </a:p>
@@ -2109,7 +2110,7 @@
           <a:p>
             <a:fld id="{0BBBA72C-B5DB-EC47-BDAE-427966AD6903}" type="datetimeFigureOut">
               <a:rPr lang="en-US" smtClean="0"/>
-              <a:t>5/15/22</a:t>
+              <a:t>5/24/22</a:t>
             </a:fld>
             <a:endParaRPr lang="en-US" dirty="0"/>
           </a:p>
@@ -2366,7 +2367,7 @@
           <a:p>
             <a:fld id="{0BBBA72C-B5DB-EC47-BDAE-427966AD6903}" type="datetimeFigureOut">
               <a:rPr lang="en-US" smtClean="0"/>
-              <a:t>5/15/22</a:t>
+              <a:t>5/24/22</a:t>
             </a:fld>
             <a:endParaRPr lang="en-US" dirty="0"/>
           </a:p>
@@ -2579,7 +2580,7 @@
           <a:p>
             <a:fld id="{0BBBA72C-B5DB-EC47-BDAE-427966AD6903}" type="datetimeFigureOut">
               <a:rPr lang="en-US" smtClean="0"/>
-              <a:t>5/15/22</a:t>
+              <a:t>5/24/22</a:t>
             </a:fld>
             <a:endParaRPr lang="en-US" dirty="0"/>
           </a:p>
@@ -4547,6 +4548,183 @@
 </p:sld>
 </file>
 
+<file path=ppt/slides/slide4.xml><?xml version="1.0" encoding="utf-8"?>
+<p:sld xmlns:a="http://schemas.openxmlformats.org/drawingml/2006/main" xmlns:r="http://schemas.openxmlformats.org/officeDocument/2006/relationships" xmlns:p="http://schemas.openxmlformats.org/presentationml/2006/main">
+  <p:cSld>
+    <p:spTree>
+      <p:nvGrpSpPr>
+        <p:cNvPr id="1" name=""/>
+        <p:cNvGrpSpPr/>
+        <p:nvPr/>
+      </p:nvGrpSpPr>
+      <p:grpSpPr>
+        <a:xfrm>
+          <a:off x="0" y="0"/>
+          <a:ext cx="0" cy="0"/>
+          <a:chOff x="0" y="0"/>
+          <a:chExt cx="0" cy="0"/>
+        </a:xfrm>
+      </p:grpSpPr>
+      <p:sp>
+        <p:nvSpPr>
+          <p:cNvPr id="2" name="Rectangle 1">
+            <a:extLst>
+              <a:ext uri="{FF2B5EF4-FFF2-40B4-BE49-F238E27FC236}">
+                <a16:creationId xmlns:a16="http://schemas.microsoft.com/office/drawing/2014/main" id="{AF74CB8F-0999-8106-8915-5DBF7EE00846}"/>
+              </a:ext>
+            </a:extLst>
+          </p:cNvPr>
+          <p:cNvSpPr/>
+          <p:nvPr/>
+        </p:nvSpPr>
+        <p:spPr>
+          <a:xfrm>
+            <a:off x="475129" y="815788"/>
+            <a:ext cx="2734236" cy="1918447"/>
+          </a:xfrm>
+          <a:prstGeom prst="rect">
+            <a:avLst/>
+          </a:prstGeom>
+        </p:spPr>
+        <p:style>
+          <a:lnRef idx="2">
+            <a:schemeClr val="accent1">
+              <a:shade val="50000"/>
+            </a:schemeClr>
+          </a:lnRef>
+          <a:fillRef idx="1">
+            <a:schemeClr val="accent1"/>
+          </a:fillRef>
+          <a:effectRef idx="0">
+            <a:schemeClr val="accent1"/>
+          </a:effectRef>
+          <a:fontRef idx="minor">
+            <a:schemeClr val="lt1"/>
+          </a:fontRef>
+        </p:style>
+        <p:txBody>
+          <a:bodyPr rtlCol="0" anchor="ctr"/>
+          <a:lstStyle/>
+          <a:p>
+            <a:pPr algn="ctr"/>
+            <a:r>
+              <a:rPr lang="en-US" dirty="0"/>
+              <a:t>Whole sum spent</a:t>
+            </a:r>
+          </a:p>
+        </p:txBody>
+      </p:sp>
+      <p:sp>
+        <p:nvSpPr>
+          <p:cNvPr id="3" name="Rectangle 2">
+            <a:extLst>
+              <a:ext uri="{FF2B5EF4-FFF2-40B4-BE49-F238E27FC236}">
+                <a16:creationId xmlns:a16="http://schemas.microsoft.com/office/drawing/2014/main" id="{89C9F687-DD82-19FD-54EC-C1745841D0BA}"/>
+              </a:ext>
+            </a:extLst>
+          </p:cNvPr>
+          <p:cNvSpPr/>
+          <p:nvPr/>
+        </p:nvSpPr>
+        <p:spPr>
+          <a:xfrm>
+            <a:off x="475130" y="4401671"/>
+            <a:ext cx="3854824" cy="2088776"/>
+          </a:xfrm>
+          <a:prstGeom prst="rect">
+            <a:avLst/>
+          </a:prstGeom>
+        </p:spPr>
+        <p:style>
+          <a:lnRef idx="2">
+            <a:schemeClr val="accent1">
+              <a:shade val="50000"/>
+            </a:schemeClr>
+          </a:lnRef>
+          <a:fillRef idx="1">
+            <a:schemeClr val="accent1"/>
+          </a:fillRef>
+          <a:effectRef idx="0">
+            <a:schemeClr val="accent1"/>
+          </a:effectRef>
+          <a:fontRef idx="minor">
+            <a:schemeClr val="lt1"/>
+          </a:fontRef>
+        </p:style>
+        <p:txBody>
+          <a:bodyPr rtlCol="0" anchor="ctr"/>
+          <a:lstStyle/>
+          <a:p>
+            <a:pPr algn="ctr"/>
+            <a:r>
+              <a:rPr lang="en-US" dirty="0"/>
+              <a:t>Timeline spending over the years</a:t>
+            </a:r>
+          </a:p>
+        </p:txBody>
+      </p:sp>
+      <p:sp>
+        <p:nvSpPr>
+          <p:cNvPr id="4" name="Rectangle 3">
+            <a:extLst>
+              <a:ext uri="{FF2B5EF4-FFF2-40B4-BE49-F238E27FC236}">
+                <a16:creationId xmlns:a16="http://schemas.microsoft.com/office/drawing/2014/main" id="{5C745BC9-8043-B57C-EADF-167D34667523}"/>
+              </a:ext>
+            </a:extLst>
+          </p:cNvPr>
+          <p:cNvSpPr/>
+          <p:nvPr/>
+        </p:nvSpPr>
+        <p:spPr>
+          <a:xfrm>
+            <a:off x="4500282" y="986117"/>
+            <a:ext cx="5251731" cy="5504330"/>
+          </a:xfrm>
+          <a:prstGeom prst="rect">
+            <a:avLst/>
+          </a:prstGeom>
+        </p:spPr>
+        <p:style>
+          <a:lnRef idx="2">
+            <a:schemeClr val="accent1">
+              <a:shade val="50000"/>
+            </a:schemeClr>
+          </a:lnRef>
+          <a:fillRef idx="1">
+            <a:schemeClr val="accent1"/>
+          </a:fillRef>
+          <a:effectRef idx="0">
+            <a:schemeClr val="accent1"/>
+          </a:effectRef>
+          <a:fontRef idx="minor">
+            <a:schemeClr val="lt1"/>
+          </a:fontRef>
+        </p:style>
+        <p:txBody>
+          <a:bodyPr rtlCol="0" anchor="ctr"/>
+          <a:lstStyle/>
+          <a:p>
+            <a:pPr algn="ctr"/>
+            <a:r>
+              <a:rPr lang="en-US" dirty="0"/>
+              <a:t>Bubble Chart of Spending Categories</a:t>
+            </a:r>
+          </a:p>
+        </p:txBody>
+      </p:sp>
+    </p:spTree>
+    <p:extLst>
+      <p:ext uri="{BB962C8B-B14F-4D97-AF65-F5344CB8AC3E}">
+        <p14:creationId xmlns:p14="http://schemas.microsoft.com/office/powerpoint/2010/main" val="977855181"/>
+      </p:ext>
+    </p:extLst>
+  </p:cSld>
+  <p:clrMapOvr>
+    <a:masterClrMapping/>
+  </p:clrMapOvr>
+</p:sld>
+</file>
+
 <file path=ppt/theme/theme1.xml><?xml version="1.0" encoding="utf-8"?>
 <a:theme xmlns:a="http://schemas.openxmlformats.org/drawingml/2006/main" name="Office Theme">
   <a:themeElements>

--- a/Bilder/preprocessing/Presentation1.pptx
+++ b/Bilder/preprocessing/Presentation1.pptx
@@ -9,6 +9,7 @@
     <p:sldId id="257" r:id="rId3"/>
     <p:sldId id="258" r:id="rId4"/>
     <p:sldId id="259" r:id="rId5"/>
+    <p:sldId id="260" r:id="rId6"/>
   </p:sldIdLst>
   <p:sldSz cx="9906000" cy="6858000" type="A4"/>
   <p:notesSz cx="6858000" cy="9144000"/>
@@ -257,7 +258,7 @@
           <a:p>
             <a:fld id="{0BBBA72C-B5DB-EC47-BDAE-427966AD6903}" type="datetimeFigureOut">
               <a:rPr lang="en-US" smtClean="0"/>
-              <a:t>5/24/22</a:t>
+              <a:t>6/1/22</a:t>
             </a:fld>
             <a:endParaRPr lang="en-US" dirty="0"/>
           </a:p>
@@ -427,7 +428,7 @@
           <a:p>
             <a:fld id="{0BBBA72C-B5DB-EC47-BDAE-427966AD6903}" type="datetimeFigureOut">
               <a:rPr lang="en-US" smtClean="0"/>
-              <a:t>5/24/22</a:t>
+              <a:t>6/1/22</a:t>
             </a:fld>
             <a:endParaRPr lang="en-US" dirty="0"/>
           </a:p>
@@ -607,7 +608,7 @@
           <a:p>
             <a:fld id="{0BBBA72C-B5DB-EC47-BDAE-427966AD6903}" type="datetimeFigureOut">
               <a:rPr lang="en-US" smtClean="0"/>
-              <a:t>5/24/22</a:t>
+              <a:t>6/1/22</a:t>
             </a:fld>
             <a:endParaRPr lang="en-US" dirty="0"/>
           </a:p>
@@ -777,7 +778,7 @@
           <a:p>
             <a:fld id="{0BBBA72C-B5DB-EC47-BDAE-427966AD6903}" type="datetimeFigureOut">
               <a:rPr lang="en-US" smtClean="0"/>
-              <a:t>5/24/22</a:t>
+              <a:t>6/1/22</a:t>
             </a:fld>
             <a:endParaRPr lang="en-US" dirty="0"/>
           </a:p>
@@ -1021,7 +1022,7 @@
           <a:p>
             <a:fld id="{0BBBA72C-B5DB-EC47-BDAE-427966AD6903}" type="datetimeFigureOut">
               <a:rPr lang="en-US" smtClean="0"/>
-              <a:t>5/24/22</a:t>
+              <a:t>6/1/22</a:t>
             </a:fld>
             <a:endParaRPr lang="en-US" dirty="0"/>
           </a:p>
@@ -1253,7 +1254,7 @@
           <a:p>
             <a:fld id="{0BBBA72C-B5DB-EC47-BDAE-427966AD6903}" type="datetimeFigureOut">
               <a:rPr lang="en-US" smtClean="0"/>
-              <a:t>5/24/22</a:t>
+              <a:t>6/1/22</a:t>
             </a:fld>
             <a:endParaRPr lang="en-US" dirty="0"/>
           </a:p>
@@ -1620,7 +1621,7 @@
           <a:p>
             <a:fld id="{0BBBA72C-B5DB-EC47-BDAE-427966AD6903}" type="datetimeFigureOut">
               <a:rPr lang="en-US" smtClean="0"/>
-              <a:t>5/24/22</a:t>
+              <a:t>6/1/22</a:t>
             </a:fld>
             <a:endParaRPr lang="en-US" dirty="0"/>
           </a:p>
@@ -1738,7 +1739,7 @@
           <a:p>
             <a:fld id="{0BBBA72C-B5DB-EC47-BDAE-427966AD6903}" type="datetimeFigureOut">
               <a:rPr lang="en-US" smtClean="0"/>
-              <a:t>5/24/22</a:t>
+              <a:t>6/1/22</a:t>
             </a:fld>
             <a:endParaRPr lang="en-US" dirty="0"/>
           </a:p>
@@ -1833,7 +1834,7 @@
           <a:p>
             <a:fld id="{0BBBA72C-B5DB-EC47-BDAE-427966AD6903}" type="datetimeFigureOut">
               <a:rPr lang="en-US" smtClean="0"/>
-              <a:t>5/24/22</a:t>
+              <a:t>6/1/22</a:t>
             </a:fld>
             <a:endParaRPr lang="en-US" dirty="0"/>
           </a:p>
@@ -2110,7 +2111,7 @@
           <a:p>
             <a:fld id="{0BBBA72C-B5DB-EC47-BDAE-427966AD6903}" type="datetimeFigureOut">
               <a:rPr lang="en-US" smtClean="0"/>
-              <a:t>5/24/22</a:t>
+              <a:t>6/1/22</a:t>
             </a:fld>
             <a:endParaRPr lang="en-US" dirty="0"/>
           </a:p>
@@ -2367,7 +2368,7 @@
           <a:p>
             <a:fld id="{0BBBA72C-B5DB-EC47-BDAE-427966AD6903}" type="datetimeFigureOut">
               <a:rPr lang="en-US" smtClean="0"/>
-              <a:t>5/24/22</a:t>
+              <a:t>6/1/22</a:t>
             </a:fld>
             <a:endParaRPr lang="en-US" dirty="0"/>
           </a:p>
@@ -2580,7 +2581,7 @@
           <a:p>
             <a:fld id="{0BBBA72C-B5DB-EC47-BDAE-427966AD6903}" type="datetimeFigureOut">
               <a:rPr lang="en-US" smtClean="0"/>
-              <a:t>5/24/22</a:t>
+              <a:t>6/1/22</a:t>
             </a:fld>
             <a:endParaRPr lang="en-US" dirty="0"/>
           </a:p>
@@ -4725,6 +4726,36 @@
 </p:sld>
 </file>
 
+<file path=ppt/slides/slide5.xml><?xml version="1.0" encoding="utf-8"?>
+<p:sld xmlns:a="http://schemas.openxmlformats.org/drawingml/2006/main" xmlns:r="http://schemas.openxmlformats.org/officeDocument/2006/relationships" xmlns:p="http://schemas.openxmlformats.org/presentationml/2006/main">
+  <p:cSld>
+    <p:spTree>
+      <p:nvGrpSpPr>
+        <p:cNvPr id="1" name=""/>
+        <p:cNvGrpSpPr/>
+        <p:nvPr/>
+      </p:nvGrpSpPr>
+      <p:grpSpPr>
+        <a:xfrm>
+          <a:off x="0" y="0"/>
+          <a:ext cx="0" cy="0"/>
+          <a:chOff x="0" y="0"/>
+          <a:chExt cx="0" cy="0"/>
+        </a:xfrm>
+      </p:grpSpPr>
+    </p:spTree>
+    <p:extLst>
+      <p:ext uri="{BB962C8B-B14F-4D97-AF65-F5344CB8AC3E}">
+        <p14:creationId xmlns:p14="http://schemas.microsoft.com/office/powerpoint/2010/main" val="1596883208"/>
+      </p:ext>
+    </p:extLst>
+  </p:cSld>
+  <p:clrMapOvr>
+    <a:masterClrMapping/>
+  </p:clrMapOvr>
+</p:sld>
+</file>
+
 <file path=ppt/theme/theme1.xml><?xml version="1.0" encoding="utf-8"?>
 <a:theme xmlns:a="http://schemas.openxmlformats.org/drawingml/2006/main" name="Office Theme">
   <a:themeElements>

--- a/Bilder/preprocessing/Presentation1.pptx
+++ b/Bilder/preprocessing/Presentation1.pptx
@@ -4743,6 +4743,1983 @@
           <a:chExt cx="0" cy="0"/>
         </a:xfrm>
       </p:grpSpPr>
+      <p:sp>
+        <p:nvSpPr>
+          <p:cNvPr id="2" name="Rounded Rectangle 1">
+            <a:extLst>
+              <a:ext uri="{FF2B5EF4-FFF2-40B4-BE49-F238E27FC236}">
+                <a16:creationId xmlns:a16="http://schemas.microsoft.com/office/drawing/2014/main" id="{92E7AAC3-F8FB-8AA6-93CA-451726BB7329}"/>
+              </a:ext>
+            </a:extLst>
+          </p:cNvPr>
+          <p:cNvSpPr/>
+          <p:nvPr/>
+        </p:nvSpPr>
+        <p:spPr>
+          <a:xfrm>
+            <a:off x="3279648" y="2834640"/>
+            <a:ext cx="4937760" cy="630936"/>
+          </a:xfrm>
+          <a:prstGeom prst="roundRect">
+            <a:avLst/>
+          </a:prstGeom>
+          <a:solidFill>
+            <a:schemeClr val="bg2"/>
+          </a:solidFill>
+          <a:ln>
+            <a:solidFill>
+              <a:schemeClr val="bg2">
+                <a:lumMod val="75000"/>
+              </a:schemeClr>
+            </a:solidFill>
+          </a:ln>
+        </p:spPr>
+        <p:style>
+          <a:lnRef idx="2">
+            <a:schemeClr val="accent1">
+              <a:shade val="50000"/>
+            </a:schemeClr>
+          </a:lnRef>
+          <a:fillRef idx="1">
+            <a:schemeClr val="accent1"/>
+          </a:fillRef>
+          <a:effectRef idx="0">
+            <a:schemeClr val="accent1"/>
+          </a:effectRef>
+          <a:fontRef idx="minor">
+            <a:schemeClr val="lt1"/>
+          </a:fontRef>
+        </p:style>
+        <p:txBody>
+          <a:bodyPr rtlCol="0" anchor="ctr"/>
+          <a:lstStyle/>
+          <a:p>
+            <a:pPr algn="ctr"/>
+            <a:r>
+              <a:rPr lang="en-US" dirty="0">
+                <a:solidFill>
+                  <a:schemeClr val="tx1"/>
+                </a:solidFill>
+              </a:rPr>
+              <a:t>BERT</a:t>
+            </a:r>
+          </a:p>
+        </p:txBody>
+      </p:sp>
+      <p:sp>
+        <p:nvSpPr>
+          <p:cNvPr id="3" name="TextBox 2">
+            <a:extLst>
+              <a:ext uri="{FF2B5EF4-FFF2-40B4-BE49-F238E27FC236}">
+                <a16:creationId xmlns:a16="http://schemas.microsoft.com/office/drawing/2014/main" id="{A35D324C-5798-5174-6974-4E5A5325AA4E}"/>
+              </a:ext>
+            </a:extLst>
+          </p:cNvPr>
+          <p:cNvSpPr txBox="1"/>
+          <p:nvPr/>
+        </p:nvSpPr>
+        <p:spPr>
+          <a:xfrm>
+            <a:off x="1389888" y="1188720"/>
+            <a:ext cx="1271016" cy="369332"/>
+          </a:xfrm>
+          <a:prstGeom prst="rect">
+            <a:avLst/>
+          </a:prstGeom>
+          <a:noFill/>
+        </p:spPr>
+        <p:txBody>
+          <a:bodyPr wrap="square" rtlCol="0">
+            <a:spAutoFit/>
+          </a:bodyPr>
+          <a:lstStyle/>
+          <a:p>
+            <a:r>
+              <a:rPr lang="en-US" dirty="0"/>
+              <a:t>Input</a:t>
+            </a:r>
+          </a:p>
+        </p:txBody>
+      </p:sp>
+      <p:sp>
+        <p:nvSpPr>
+          <p:cNvPr id="4" name="TextBox 3">
+            <a:extLst>
+              <a:ext uri="{FF2B5EF4-FFF2-40B4-BE49-F238E27FC236}">
+                <a16:creationId xmlns:a16="http://schemas.microsoft.com/office/drawing/2014/main" id="{27C7981A-BCDA-D219-C58E-4E2B6875D1E5}"/>
+              </a:ext>
+            </a:extLst>
+          </p:cNvPr>
+          <p:cNvSpPr txBox="1"/>
+          <p:nvPr/>
+        </p:nvSpPr>
+        <p:spPr>
+          <a:xfrm>
+            <a:off x="1389888" y="1935480"/>
+            <a:ext cx="1271016" cy="646331"/>
+          </a:xfrm>
+          <a:prstGeom prst="rect">
+            <a:avLst/>
+          </a:prstGeom>
+          <a:noFill/>
+        </p:spPr>
+        <p:txBody>
+          <a:bodyPr wrap="square" rtlCol="0">
+            <a:spAutoFit/>
+          </a:bodyPr>
+          <a:lstStyle/>
+          <a:p>
+            <a:r>
+              <a:rPr lang="en-US" dirty="0"/>
+              <a:t>Random Masking</a:t>
+            </a:r>
+          </a:p>
+        </p:txBody>
+      </p:sp>
+      <p:sp>
+        <p:nvSpPr>
+          <p:cNvPr id="5" name="TextBox 4">
+            <a:extLst>
+              <a:ext uri="{FF2B5EF4-FFF2-40B4-BE49-F238E27FC236}">
+                <a16:creationId xmlns:a16="http://schemas.microsoft.com/office/drawing/2014/main" id="{C311CEBA-815B-743A-CF6E-21CA0979A29F}"/>
+              </a:ext>
+            </a:extLst>
+          </p:cNvPr>
+          <p:cNvSpPr txBox="1"/>
+          <p:nvPr/>
+        </p:nvSpPr>
+        <p:spPr>
+          <a:xfrm>
+            <a:off x="1389888" y="4337304"/>
+            <a:ext cx="1636776" cy="646331"/>
+          </a:xfrm>
+          <a:prstGeom prst="rect">
+            <a:avLst/>
+          </a:prstGeom>
+          <a:noFill/>
+        </p:spPr>
+        <p:txBody>
+          <a:bodyPr wrap="square" rtlCol="0">
+            <a:spAutoFit/>
+          </a:bodyPr>
+          <a:lstStyle/>
+          <a:p>
+            <a:r>
+              <a:rPr lang="en-US" dirty="0"/>
+              <a:t>Predict the masked Word</a:t>
+            </a:r>
+          </a:p>
+        </p:txBody>
+      </p:sp>
+      <p:graphicFrame>
+        <p:nvGraphicFramePr>
+          <p:cNvPr id="6" name="Table 6">
+            <a:extLst>
+              <a:ext uri="{FF2B5EF4-FFF2-40B4-BE49-F238E27FC236}">
+                <a16:creationId xmlns:a16="http://schemas.microsoft.com/office/drawing/2014/main" id="{7A169393-D21D-6ABA-0676-D181A1B72689}"/>
+              </a:ext>
+            </a:extLst>
+          </p:cNvPr>
+          <p:cNvGraphicFramePr>
+            <a:graphicFrameLocks noGrp="1"/>
+          </p:cNvGraphicFramePr>
+          <p:nvPr>
+            <p:extLst>
+              <p:ext uri="{D42A27DB-BD31-4B8C-83A1-F6EECF244321}">
+                <p14:modId xmlns:p14="http://schemas.microsoft.com/office/powerpoint/2010/main" val="3753085832"/>
+              </p:ext>
+            </p:extLst>
+          </p:nvPr>
+        </p:nvGraphicFramePr>
+        <p:xfrm>
+          <a:off x="3389955" y="1188720"/>
+          <a:ext cx="4717145" cy="370840"/>
+        </p:xfrm>
+        <a:graphic>
+          <a:graphicData uri="http://schemas.openxmlformats.org/drawingml/2006/table">
+            <a:tbl>
+              <a:tblPr firstRow="1" bandRow="1">
+                <a:tableStyleId>{5C22544A-7EE6-4342-B048-85BDC9FD1C3A}</a:tableStyleId>
+              </a:tblPr>
+              <a:tblGrid>
+                <a:gridCol w="943429">
+                  <a:extLst>
+                    <a:ext uri="{9D8B030D-6E8A-4147-A177-3AD203B41FA5}">
+                      <a16:colId xmlns:a16="http://schemas.microsoft.com/office/drawing/2014/main" val="2989250801"/>
+                    </a:ext>
+                  </a:extLst>
+                </a:gridCol>
+                <a:gridCol w="943429">
+                  <a:extLst>
+                    <a:ext uri="{9D8B030D-6E8A-4147-A177-3AD203B41FA5}">
+                      <a16:colId xmlns:a16="http://schemas.microsoft.com/office/drawing/2014/main" val="510639924"/>
+                    </a:ext>
+                  </a:extLst>
+                </a:gridCol>
+                <a:gridCol w="943429">
+                  <a:extLst>
+                    <a:ext uri="{9D8B030D-6E8A-4147-A177-3AD203B41FA5}">
+                      <a16:colId xmlns:a16="http://schemas.microsoft.com/office/drawing/2014/main" val="2915295085"/>
+                    </a:ext>
+                  </a:extLst>
+                </a:gridCol>
+                <a:gridCol w="943429">
+                  <a:extLst>
+                    <a:ext uri="{9D8B030D-6E8A-4147-A177-3AD203B41FA5}">
+                      <a16:colId xmlns:a16="http://schemas.microsoft.com/office/drawing/2014/main" val="311189652"/>
+                    </a:ext>
+                  </a:extLst>
+                </a:gridCol>
+                <a:gridCol w="943429">
+                  <a:extLst>
+                    <a:ext uri="{9D8B030D-6E8A-4147-A177-3AD203B41FA5}">
+                      <a16:colId xmlns:a16="http://schemas.microsoft.com/office/drawing/2014/main" val="3431386492"/>
+                    </a:ext>
+                  </a:extLst>
+                </a:gridCol>
+              </a:tblGrid>
+              <a:tr h="370840">
+                <a:tc>
+                  <a:txBody>
+                    <a:bodyPr/>
+                    <a:lstStyle/>
+                    <a:p>
+                      <a:pPr algn="ctr"/>
+                      <a:r>
+                        <a:rPr lang="en-US" b="1" dirty="0">
+                          <a:solidFill>
+                            <a:schemeClr val="tx1"/>
+                          </a:solidFill>
+                        </a:rPr>
+                        <a:t>Bob</a:t>
+                      </a:r>
+                    </a:p>
+                  </a:txBody>
+                  <a:tcPr>
+                    <a:lnL w="12700" cmpd="sng">
+                      <a:noFill/>
+                    </a:lnL>
+                    <a:lnR w="12700" cmpd="sng">
+                      <a:noFill/>
+                    </a:lnR>
+                    <a:lnT w="12700" cmpd="sng">
+                      <a:noFill/>
+                    </a:lnT>
+                    <a:lnB w="38100" cmpd="sng">
+                      <a:noFill/>
+                    </a:lnB>
+                    <a:lnTlToBr w="12700" cmpd="sng">
+                      <a:noFill/>
+                      <a:prstDash val="solid"/>
+                    </a:lnTlToBr>
+                    <a:lnBlToTr w="12700" cmpd="sng">
+                      <a:noFill/>
+                      <a:prstDash val="solid"/>
+                    </a:lnBlToTr>
+                    <a:noFill/>
+                  </a:tcPr>
+                </a:tc>
+                <a:tc>
+                  <a:txBody>
+                    <a:bodyPr/>
+                    <a:lstStyle/>
+                    <a:p>
+                      <a:pPr algn="ctr"/>
+                      <a:r>
+                        <a:rPr lang="en-US" b="1" dirty="0">
+                          <a:solidFill>
+                            <a:schemeClr val="tx1"/>
+                          </a:solidFill>
+                        </a:rPr>
+                        <a:t>is</a:t>
+                      </a:r>
+                    </a:p>
+                  </a:txBody>
+                  <a:tcPr>
+                    <a:lnL w="12700" cmpd="sng">
+                      <a:noFill/>
+                    </a:lnL>
+                    <a:lnR w="12700" cmpd="sng">
+                      <a:noFill/>
+                    </a:lnR>
+                    <a:lnT w="12700" cmpd="sng">
+                      <a:noFill/>
+                    </a:lnT>
+                    <a:lnB w="38100" cmpd="sng">
+                      <a:noFill/>
+                    </a:lnB>
+                    <a:lnTlToBr w="12700" cmpd="sng">
+                      <a:noFill/>
+                      <a:prstDash val="solid"/>
+                    </a:lnTlToBr>
+                    <a:lnBlToTr w="12700" cmpd="sng">
+                      <a:noFill/>
+                      <a:prstDash val="solid"/>
+                    </a:lnBlToTr>
+                    <a:noFill/>
+                  </a:tcPr>
+                </a:tc>
+                <a:tc>
+                  <a:txBody>
+                    <a:bodyPr/>
+                    <a:lstStyle/>
+                    <a:p>
+                      <a:pPr algn="ctr"/>
+                      <a:r>
+                        <a:rPr lang="en-US" b="1" dirty="0">
+                          <a:solidFill>
+                            <a:schemeClr val="tx1"/>
+                          </a:solidFill>
+                        </a:rPr>
+                        <a:t>taller</a:t>
+                      </a:r>
+                    </a:p>
+                  </a:txBody>
+                  <a:tcPr>
+                    <a:lnL w="12700" cmpd="sng">
+                      <a:noFill/>
+                    </a:lnL>
+                    <a:lnR w="12700" cmpd="sng">
+                      <a:noFill/>
+                    </a:lnR>
+                    <a:lnT w="12700" cmpd="sng">
+                      <a:noFill/>
+                    </a:lnT>
+                    <a:lnB w="38100" cmpd="sng">
+                      <a:noFill/>
+                    </a:lnB>
+                    <a:lnTlToBr w="12700" cmpd="sng">
+                      <a:noFill/>
+                      <a:prstDash val="solid"/>
+                    </a:lnTlToBr>
+                    <a:lnBlToTr w="12700" cmpd="sng">
+                      <a:noFill/>
+                      <a:prstDash val="solid"/>
+                    </a:lnBlToTr>
+                    <a:noFill/>
+                  </a:tcPr>
+                </a:tc>
+                <a:tc>
+                  <a:txBody>
+                    <a:bodyPr/>
+                    <a:lstStyle/>
+                    <a:p>
+                      <a:pPr algn="ctr"/>
+                      <a:r>
+                        <a:rPr lang="en-US" b="1" dirty="0">
+                          <a:solidFill>
+                            <a:schemeClr val="tx1"/>
+                          </a:solidFill>
+                        </a:rPr>
+                        <a:t>than</a:t>
+                      </a:r>
+                    </a:p>
+                  </a:txBody>
+                  <a:tcPr>
+                    <a:lnL w="12700" cmpd="sng">
+                      <a:noFill/>
+                    </a:lnL>
+                    <a:lnR w="12700" cmpd="sng">
+                      <a:noFill/>
+                    </a:lnR>
+                    <a:lnT w="12700" cmpd="sng">
+                      <a:noFill/>
+                    </a:lnT>
+                    <a:lnB w="38100" cmpd="sng">
+                      <a:noFill/>
+                    </a:lnB>
+                    <a:lnTlToBr w="12700" cmpd="sng">
+                      <a:noFill/>
+                      <a:prstDash val="solid"/>
+                    </a:lnTlToBr>
+                    <a:lnBlToTr w="12700" cmpd="sng">
+                      <a:noFill/>
+                      <a:prstDash val="solid"/>
+                    </a:lnBlToTr>
+                    <a:noFill/>
+                  </a:tcPr>
+                </a:tc>
+                <a:tc>
+                  <a:txBody>
+                    <a:bodyPr/>
+                    <a:lstStyle/>
+                    <a:p>
+                      <a:pPr algn="ctr"/>
+                      <a:r>
+                        <a:rPr lang="en-US" b="1" dirty="0">
+                          <a:solidFill>
+                            <a:schemeClr val="tx1"/>
+                          </a:solidFill>
+                        </a:rPr>
+                        <a:t>Alice</a:t>
+                      </a:r>
+                    </a:p>
+                  </a:txBody>
+                  <a:tcPr>
+                    <a:lnL w="12700" cmpd="sng">
+                      <a:noFill/>
+                    </a:lnL>
+                    <a:lnR w="12700" cmpd="sng">
+                      <a:noFill/>
+                    </a:lnR>
+                    <a:lnT w="12700" cmpd="sng">
+                      <a:noFill/>
+                    </a:lnT>
+                    <a:lnB w="38100" cmpd="sng">
+                      <a:noFill/>
+                    </a:lnB>
+                    <a:lnTlToBr w="12700" cmpd="sng">
+                      <a:noFill/>
+                      <a:prstDash val="solid"/>
+                    </a:lnTlToBr>
+                    <a:lnBlToTr w="12700" cmpd="sng">
+                      <a:noFill/>
+                      <a:prstDash val="solid"/>
+                    </a:lnBlToTr>
+                    <a:noFill/>
+                  </a:tcPr>
+                </a:tc>
+                <a:extLst>
+                  <a:ext uri="{0D108BD9-81ED-4DB2-BD59-A6C34878D82A}">
+                    <a16:rowId xmlns:a16="http://schemas.microsoft.com/office/drawing/2014/main" val="1541658337"/>
+                  </a:ext>
+                </a:extLst>
+              </a:tr>
+            </a:tbl>
+          </a:graphicData>
+        </a:graphic>
+      </p:graphicFrame>
+      <p:graphicFrame>
+        <p:nvGraphicFramePr>
+          <p:cNvPr id="7" name="Table 6">
+            <a:extLst>
+              <a:ext uri="{FF2B5EF4-FFF2-40B4-BE49-F238E27FC236}">
+                <a16:creationId xmlns:a16="http://schemas.microsoft.com/office/drawing/2014/main" id="{A048A257-7E77-A235-8D31-A8BFBF3254BC}"/>
+              </a:ext>
+            </a:extLst>
+          </p:cNvPr>
+          <p:cNvGraphicFramePr>
+            <a:graphicFrameLocks noGrp="1"/>
+          </p:cNvGraphicFramePr>
+          <p:nvPr>
+            <p:extLst>
+              <p:ext uri="{D42A27DB-BD31-4B8C-83A1-F6EECF244321}">
+                <p14:modId xmlns:p14="http://schemas.microsoft.com/office/powerpoint/2010/main" val="266004057"/>
+              </p:ext>
+            </p:extLst>
+          </p:nvPr>
+        </p:nvGraphicFramePr>
+        <p:xfrm>
+          <a:off x="3389955" y="2073225"/>
+          <a:ext cx="4717145" cy="370840"/>
+        </p:xfrm>
+        <a:graphic>
+          <a:graphicData uri="http://schemas.openxmlformats.org/drawingml/2006/table">
+            <a:tbl>
+              <a:tblPr firstRow="1" bandRow="1">
+                <a:tableStyleId>{5C22544A-7EE6-4342-B048-85BDC9FD1C3A}</a:tableStyleId>
+              </a:tblPr>
+              <a:tblGrid>
+                <a:gridCol w="943429">
+                  <a:extLst>
+                    <a:ext uri="{9D8B030D-6E8A-4147-A177-3AD203B41FA5}">
+                      <a16:colId xmlns:a16="http://schemas.microsoft.com/office/drawing/2014/main" val="2989250801"/>
+                    </a:ext>
+                  </a:extLst>
+                </a:gridCol>
+                <a:gridCol w="943429">
+                  <a:extLst>
+                    <a:ext uri="{9D8B030D-6E8A-4147-A177-3AD203B41FA5}">
+                      <a16:colId xmlns:a16="http://schemas.microsoft.com/office/drawing/2014/main" val="510639924"/>
+                    </a:ext>
+                  </a:extLst>
+                </a:gridCol>
+                <a:gridCol w="943429">
+                  <a:extLst>
+                    <a:ext uri="{9D8B030D-6E8A-4147-A177-3AD203B41FA5}">
+                      <a16:colId xmlns:a16="http://schemas.microsoft.com/office/drawing/2014/main" val="2915295085"/>
+                    </a:ext>
+                  </a:extLst>
+                </a:gridCol>
+                <a:gridCol w="943429">
+                  <a:extLst>
+                    <a:ext uri="{9D8B030D-6E8A-4147-A177-3AD203B41FA5}">
+                      <a16:colId xmlns:a16="http://schemas.microsoft.com/office/drawing/2014/main" val="311189652"/>
+                    </a:ext>
+                  </a:extLst>
+                </a:gridCol>
+                <a:gridCol w="943429">
+                  <a:extLst>
+                    <a:ext uri="{9D8B030D-6E8A-4147-A177-3AD203B41FA5}">
+                      <a16:colId xmlns:a16="http://schemas.microsoft.com/office/drawing/2014/main" val="3431386492"/>
+                    </a:ext>
+                  </a:extLst>
+                </a:gridCol>
+              </a:tblGrid>
+              <a:tr h="370840">
+                <a:tc>
+                  <a:txBody>
+                    <a:bodyPr/>
+                    <a:lstStyle/>
+                    <a:p>
+                      <a:pPr algn="ctr"/>
+                      <a:r>
+                        <a:rPr lang="en-US" dirty="0">
+                          <a:solidFill>
+                            <a:schemeClr val="tx1"/>
+                          </a:solidFill>
+                        </a:rPr>
+                        <a:t>Bob</a:t>
+                      </a:r>
+                    </a:p>
+                  </a:txBody>
+                  <a:tcPr>
+                    <a:lnL w="12700" cmpd="sng">
+                      <a:noFill/>
+                    </a:lnL>
+                    <a:lnR w="12700" cmpd="sng">
+                      <a:noFill/>
+                    </a:lnR>
+                    <a:lnT w="12700" cmpd="sng">
+                      <a:noFill/>
+                    </a:lnT>
+                    <a:lnB w="38100" cmpd="sng">
+                      <a:noFill/>
+                    </a:lnB>
+                    <a:lnTlToBr w="12700" cmpd="sng">
+                      <a:noFill/>
+                      <a:prstDash val="solid"/>
+                    </a:lnTlToBr>
+                    <a:lnBlToTr w="12700" cmpd="sng">
+                      <a:noFill/>
+                      <a:prstDash val="solid"/>
+                    </a:lnBlToTr>
+                    <a:noFill/>
+                  </a:tcPr>
+                </a:tc>
+                <a:tc>
+                  <a:txBody>
+                    <a:bodyPr/>
+                    <a:lstStyle/>
+                    <a:p>
+                      <a:pPr algn="ctr"/>
+                      <a:r>
+                        <a:rPr lang="en-US" dirty="0">
+                          <a:solidFill>
+                            <a:schemeClr val="tx1"/>
+                          </a:solidFill>
+                        </a:rPr>
+                        <a:t>is</a:t>
+                      </a:r>
+                    </a:p>
+                  </a:txBody>
+                  <a:tcPr>
+                    <a:lnL w="12700" cmpd="sng">
+                      <a:noFill/>
+                    </a:lnL>
+                    <a:lnR w="12700" cmpd="sng">
+                      <a:noFill/>
+                    </a:lnR>
+                    <a:lnT w="12700" cmpd="sng">
+                      <a:noFill/>
+                    </a:lnT>
+                    <a:lnB w="38100" cmpd="sng">
+                      <a:noFill/>
+                    </a:lnB>
+                    <a:lnTlToBr w="12700" cmpd="sng">
+                      <a:noFill/>
+                      <a:prstDash val="solid"/>
+                    </a:lnTlToBr>
+                    <a:lnBlToTr w="12700" cmpd="sng">
+                      <a:noFill/>
+                      <a:prstDash val="solid"/>
+                    </a:lnBlToTr>
+                    <a:noFill/>
+                  </a:tcPr>
+                </a:tc>
+                <a:tc>
+                  <a:txBody>
+                    <a:bodyPr/>
+                    <a:lstStyle/>
+                    <a:p>
+                      <a:pPr algn="ctr"/>
+                      <a:r>
+                        <a:rPr lang="en-US" dirty="0">
+                          <a:solidFill>
+                            <a:schemeClr val="tx1"/>
+                          </a:solidFill>
+                        </a:rPr>
+                        <a:t>[?]</a:t>
+                      </a:r>
+                    </a:p>
+                  </a:txBody>
+                  <a:tcPr>
+                    <a:lnL w="12700" cmpd="sng">
+                      <a:noFill/>
+                    </a:lnL>
+                    <a:lnR w="12700" cmpd="sng">
+                      <a:noFill/>
+                    </a:lnR>
+                    <a:lnT w="12700" cmpd="sng">
+                      <a:noFill/>
+                    </a:lnT>
+                    <a:lnB w="38100" cmpd="sng">
+                      <a:noFill/>
+                    </a:lnB>
+                    <a:lnTlToBr w="12700" cmpd="sng">
+                      <a:noFill/>
+                      <a:prstDash val="solid"/>
+                    </a:lnTlToBr>
+                    <a:lnBlToTr w="12700" cmpd="sng">
+                      <a:noFill/>
+                      <a:prstDash val="solid"/>
+                    </a:lnBlToTr>
+                    <a:noFill/>
+                  </a:tcPr>
+                </a:tc>
+                <a:tc>
+                  <a:txBody>
+                    <a:bodyPr/>
+                    <a:lstStyle/>
+                    <a:p>
+                      <a:pPr algn="ctr"/>
+                      <a:r>
+                        <a:rPr lang="en-US" dirty="0">
+                          <a:solidFill>
+                            <a:schemeClr val="tx1"/>
+                          </a:solidFill>
+                        </a:rPr>
+                        <a:t>than</a:t>
+                      </a:r>
+                    </a:p>
+                  </a:txBody>
+                  <a:tcPr>
+                    <a:lnL w="12700" cmpd="sng">
+                      <a:noFill/>
+                    </a:lnL>
+                    <a:lnR w="12700" cmpd="sng">
+                      <a:noFill/>
+                    </a:lnR>
+                    <a:lnT w="12700" cmpd="sng">
+                      <a:noFill/>
+                    </a:lnT>
+                    <a:lnB w="38100" cmpd="sng">
+                      <a:noFill/>
+                    </a:lnB>
+                    <a:lnTlToBr w="12700" cmpd="sng">
+                      <a:noFill/>
+                      <a:prstDash val="solid"/>
+                    </a:lnTlToBr>
+                    <a:lnBlToTr w="12700" cmpd="sng">
+                      <a:noFill/>
+                      <a:prstDash val="solid"/>
+                    </a:lnBlToTr>
+                    <a:noFill/>
+                  </a:tcPr>
+                </a:tc>
+                <a:tc>
+                  <a:txBody>
+                    <a:bodyPr/>
+                    <a:lstStyle/>
+                    <a:p>
+                      <a:pPr algn="ctr"/>
+                      <a:r>
+                        <a:rPr lang="en-US" dirty="0">
+                          <a:solidFill>
+                            <a:schemeClr val="tx1"/>
+                          </a:solidFill>
+                        </a:rPr>
+                        <a:t>Alice</a:t>
+                      </a:r>
+                    </a:p>
+                  </a:txBody>
+                  <a:tcPr>
+                    <a:lnL w="12700" cmpd="sng">
+                      <a:noFill/>
+                    </a:lnL>
+                    <a:lnR w="12700" cmpd="sng">
+                      <a:noFill/>
+                    </a:lnR>
+                    <a:lnT w="12700" cmpd="sng">
+                      <a:noFill/>
+                    </a:lnT>
+                    <a:lnB w="38100" cmpd="sng">
+                      <a:noFill/>
+                    </a:lnB>
+                    <a:lnTlToBr w="12700" cmpd="sng">
+                      <a:noFill/>
+                      <a:prstDash val="solid"/>
+                    </a:lnTlToBr>
+                    <a:lnBlToTr w="12700" cmpd="sng">
+                      <a:noFill/>
+                      <a:prstDash val="solid"/>
+                    </a:lnBlToTr>
+                    <a:noFill/>
+                  </a:tcPr>
+                </a:tc>
+                <a:extLst>
+                  <a:ext uri="{0D108BD9-81ED-4DB2-BD59-A6C34878D82A}">
+                    <a16:rowId xmlns:a16="http://schemas.microsoft.com/office/drawing/2014/main" val="1541658337"/>
+                  </a:ext>
+                </a:extLst>
+              </a:tr>
+            </a:tbl>
+          </a:graphicData>
+        </a:graphic>
+      </p:graphicFrame>
+      <p:graphicFrame>
+        <p:nvGraphicFramePr>
+          <p:cNvPr id="8" name="Table 8">
+            <a:extLst>
+              <a:ext uri="{FF2B5EF4-FFF2-40B4-BE49-F238E27FC236}">
+                <a16:creationId xmlns:a16="http://schemas.microsoft.com/office/drawing/2014/main" id="{FC7126B7-0AD8-B02F-A6A8-4A9105287190}"/>
+              </a:ext>
+            </a:extLst>
+          </p:cNvPr>
+          <p:cNvGraphicFramePr>
+            <a:graphicFrameLocks noGrp="1"/>
+          </p:cNvGraphicFramePr>
+          <p:nvPr>
+            <p:extLst>
+              <p:ext uri="{D42A27DB-BD31-4B8C-83A1-F6EECF244321}">
+                <p14:modId xmlns:p14="http://schemas.microsoft.com/office/powerpoint/2010/main" val="1544451034"/>
+              </p:ext>
+            </p:extLst>
+          </p:nvPr>
+        </p:nvGraphicFramePr>
+        <p:xfrm>
+          <a:off x="5842507" y="3936322"/>
+          <a:ext cx="1216661" cy="1854200"/>
+        </p:xfrm>
+        <a:graphic>
+          <a:graphicData uri="http://schemas.openxmlformats.org/drawingml/2006/table">
+            <a:tbl>
+              <a:tblPr firstRow="1" bandRow="1">
+                <a:tableStyleId>{5C22544A-7EE6-4342-B048-85BDC9FD1C3A}</a:tableStyleId>
+              </a:tblPr>
+              <a:tblGrid>
+                <a:gridCol w="1216661">
+                  <a:extLst>
+                    <a:ext uri="{9D8B030D-6E8A-4147-A177-3AD203B41FA5}">
+                      <a16:colId xmlns:a16="http://schemas.microsoft.com/office/drawing/2014/main" val="821027844"/>
+                    </a:ext>
+                  </a:extLst>
+                </a:gridCol>
+              </a:tblGrid>
+              <a:tr h="370840">
+                <a:tc>
+                  <a:txBody>
+                    <a:bodyPr/>
+                    <a:lstStyle/>
+                    <a:p>
+                      <a:r>
+                        <a:rPr lang="en-US" b="1" dirty="0">
+                          <a:solidFill>
+                            <a:schemeClr val="tx1"/>
+                          </a:solidFill>
+                        </a:rPr>
+                        <a:t>Aardvark</a:t>
+                      </a:r>
+                    </a:p>
+                  </a:txBody>
+                  <a:tcPr>
+                    <a:lnL w="12700" cap="flat" cmpd="sng" algn="ctr">
+                      <a:noFill/>
+                      <a:prstDash val="solid"/>
+                      <a:round/>
+                      <a:headEnd type="none" w="med" len="med"/>
+                      <a:tailEnd type="none" w="med" len="med"/>
+                    </a:lnL>
+                    <a:lnR w="12700" cap="flat" cmpd="sng" algn="ctr">
+                      <a:noFill/>
+                      <a:prstDash val="solid"/>
+                      <a:round/>
+                      <a:headEnd type="none" w="med" len="med"/>
+                      <a:tailEnd type="none" w="med" len="med"/>
+                    </a:lnR>
+                    <a:lnT w="12700" cap="flat" cmpd="sng" algn="ctr">
+                      <a:noFill/>
+                      <a:prstDash val="solid"/>
+                      <a:round/>
+                      <a:headEnd type="none" w="med" len="med"/>
+                      <a:tailEnd type="none" w="med" len="med"/>
+                    </a:lnT>
+                    <a:lnB w="12700" cap="flat" cmpd="sng" algn="ctr">
+                      <a:noFill/>
+                      <a:prstDash val="solid"/>
+                      <a:round/>
+                      <a:headEnd type="none" w="med" len="med"/>
+                      <a:tailEnd type="none" w="med" len="med"/>
+                    </a:lnB>
+                    <a:lnTlToBr w="12700" cmpd="sng">
+                      <a:noFill/>
+                      <a:prstDash val="solid"/>
+                    </a:lnTlToBr>
+                    <a:lnBlToTr w="12700" cmpd="sng">
+                      <a:noFill/>
+                      <a:prstDash val="solid"/>
+                    </a:lnBlToTr>
+                    <a:noFill/>
+                  </a:tcPr>
+                </a:tc>
+                <a:extLst>
+                  <a:ext uri="{0D108BD9-81ED-4DB2-BD59-A6C34878D82A}">
+                    <a16:rowId xmlns:a16="http://schemas.microsoft.com/office/drawing/2014/main" val="676597624"/>
+                  </a:ext>
+                </a:extLst>
+              </a:tr>
+              <a:tr h="370840">
+                <a:tc>
+                  <a:txBody>
+                    <a:bodyPr/>
+                    <a:lstStyle/>
+                    <a:p>
+                      <a:r>
+                        <a:rPr lang="en-US" b="1" dirty="0">
+                          <a:solidFill>
+                            <a:schemeClr val="tx1"/>
+                          </a:solidFill>
+                        </a:rPr>
+                        <a:t>…</a:t>
+                      </a:r>
+                    </a:p>
+                  </a:txBody>
+                  <a:tcPr>
+                    <a:lnL w="12700" cap="flat" cmpd="sng" algn="ctr">
+                      <a:noFill/>
+                      <a:prstDash val="solid"/>
+                      <a:round/>
+                      <a:headEnd type="none" w="med" len="med"/>
+                      <a:tailEnd type="none" w="med" len="med"/>
+                    </a:lnL>
+                    <a:lnR w="12700" cap="flat" cmpd="sng" algn="ctr">
+                      <a:noFill/>
+                      <a:prstDash val="solid"/>
+                      <a:round/>
+                      <a:headEnd type="none" w="med" len="med"/>
+                      <a:tailEnd type="none" w="med" len="med"/>
+                    </a:lnR>
+                    <a:lnT w="12700" cap="flat" cmpd="sng" algn="ctr">
+                      <a:noFill/>
+                      <a:prstDash val="solid"/>
+                      <a:round/>
+                      <a:headEnd type="none" w="med" len="med"/>
+                      <a:tailEnd type="none" w="med" len="med"/>
+                    </a:lnT>
+                    <a:lnB w="12700" cap="flat" cmpd="sng" algn="ctr">
+                      <a:noFill/>
+                      <a:prstDash val="solid"/>
+                      <a:round/>
+                      <a:headEnd type="none" w="med" len="med"/>
+                      <a:tailEnd type="none" w="med" len="med"/>
+                    </a:lnB>
+                    <a:lnTlToBr w="12700" cmpd="sng">
+                      <a:noFill/>
+                      <a:prstDash val="solid"/>
+                    </a:lnTlToBr>
+                    <a:lnBlToTr w="12700" cmpd="sng">
+                      <a:noFill/>
+                      <a:prstDash val="solid"/>
+                    </a:lnBlToTr>
+                    <a:noFill/>
+                  </a:tcPr>
+                </a:tc>
+                <a:extLst>
+                  <a:ext uri="{0D108BD9-81ED-4DB2-BD59-A6C34878D82A}">
+                    <a16:rowId xmlns:a16="http://schemas.microsoft.com/office/drawing/2014/main" val="3842798386"/>
+                  </a:ext>
+                </a:extLst>
+              </a:tr>
+              <a:tr h="370840">
+                <a:tc>
+                  <a:txBody>
+                    <a:bodyPr/>
+                    <a:lstStyle/>
+                    <a:p>
+                      <a:r>
+                        <a:rPr lang="en-US" b="1" dirty="0">
+                          <a:solidFill>
+                            <a:schemeClr val="tx1"/>
+                          </a:solidFill>
+                        </a:rPr>
+                        <a:t>taller</a:t>
+                      </a:r>
+                    </a:p>
+                  </a:txBody>
+                  <a:tcPr>
+                    <a:lnL w="12700" cap="flat" cmpd="sng" algn="ctr">
+                      <a:noFill/>
+                      <a:prstDash val="solid"/>
+                      <a:round/>
+                      <a:headEnd type="none" w="med" len="med"/>
+                      <a:tailEnd type="none" w="med" len="med"/>
+                    </a:lnL>
+                    <a:lnR w="12700" cap="flat" cmpd="sng" algn="ctr">
+                      <a:noFill/>
+                      <a:prstDash val="solid"/>
+                      <a:round/>
+                      <a:headEnd type="none" w="med" len="med"/>
+                      <a:tailEnd type="none" w="med" len="med"/>
+                    </a:lnR>
+                    <a:lnT w="12700" cap="flat" cmpd="sng" algn="ctr">
+                      <a:noFill/>
+                      <a:prstDash val="solid"/>
+                      <a:round/>
+                      <a:headEnd type="none" w="med" len="med"/>
+                      <a:tailEnd type="none" w="med" len="med"/>
+                    </a:lnT>
+                    <a:lnB w="12700" cap="flat" cmpd="sng" algn="ctr">
+                      <a:noFill/>
+                      <a:prstDash val="solid"/>
+                      <a:round/>
+                      <a:headEnd type="none" w="med" len="med"/>
+                      <a:tailEnd type="none" w="med" len="med"/>
+                    </a:lnB>
+                    <a:lnTlToBr w="12700" cmpd="sng">
+                      <a:noFill/>
+                      <a:prstDash val="solid"/>
+                    </a:lnTlToBr>
+                    <a:lnBlToTr w="12700" cmpd="sng">
+                      <a:noFill/>
+                      <a:prstDash val="solid"/>
+                    </a:lnBlToTr>
+                    <a:noFill/>
+                  </a:tcPr>
+                </a:tc>
+                <a:extLst>
+                  <a:ext uri="{0D108BD9-81ED-4DB2-BD59-A6C34878D82A}">
+                    <a16:rowId xmlns:a16="http://schemas.microsoft.com/office/drawing/2014/main" val="225030235"/>
+                  </a:ext>
+                </a:extLst>
+              </a:tr>
+              <a:tr h="370840">
+                <a:tc>
+                  <a:txBody>
+                    <a:bodyPr/>
+                    <a:lstStyle/>
+                    <a:p>
+                      <a:r>
+                        <a:rPr lang="en-US" b="1" dirty="0">
+                          <a:solidFill>
+                            <a:schemeClr val="tx1"/>
+                          </a:solidFill>
+                        </a:rPr>
+                        <a:t>…</a:t>
+                      </a:r>
+                    </a:p>
+                  </a:txBody>
+                  <a:tcPr>
+                    <a:lnL w="12700" cap="flat" cmpd="sng" algn="ctr">
+                      <a:noFill/>
+                      <a:prstDash val="solid"/>
+                      <a:round/>
+                      <a:headEnd type="none" w="med" len="med"/>
+                      <a:tailEnd type="none" w="med" len="med"/>
+                    </a:lnL>
+                    <a:lnR w="12700" cap="flat" cmpd="sng" algn="ctr">
+                      <a:noFill/>
+                      <a:prstDash val="solid"/>
+                      <a:round/>
+                      <a:headEnd type="none" w="med" len="med"/>
+                      <a:tailEnd type="none" w="med" len="med"/>
+                    </a:lnR>
+                    <a:lnT w="12700" cap="flat" cmpd="sng" algn="ctr">
+                      <a:noFill/>
+                      <a:prstDash val="solid"/>
+                      <a:round/>
+                      <a:headEnd type="none" w="med" len="med"/>
+                      <a:tailEnd type="none" w="med" len="med"/>
+                    </a:lnT>
+                    <a:lnB w="12700" cap="flat" cmpd="sng" algn="ctr">
+                      <a:noFill/>
+                      <a:prstDash val="solid"/>
+                      <a:round/>
+                      <a:headEnd type="none" w="med" len="med"/>
+                      <a:tailEnd type="none" w="med" len="med"/>
+                    </a:lnB>
+                    <a:lnTlToBr w="12700" cmpd="sng">
+                      <a:noFill/>
+                      <a:prstDash val="solid"/>
+                    </a:lnTlToBr>
+                    <a:lnBlToTr w="12700" cmpd="sng">
+                      <a:noFill/>
+                      <a:prstDash val="solid"/>
+                    </a:lnBlToTr>
+                    <a:noFill/>
+                  </a:tcPr>
+                </a:tc>
+                <a:extLst>
+                  <a:ext uri="{0D108BD9-81ED-4DB2-BD59-A6C34878D82A}">
+                    <a16:rowId xmlns:a16="http://schemas.microsoft.com/office/drawing/2014/main" val="1494145055"/>
+                  </a:ext>
+                </a:extLst>
+              </a:tr>
+              <a:tr h="370840">
+                <a:tc>
+                  <a:txBody>
+                    <a:bodyPr/>
+                    <a:lstStyle/>
+                    <a:p>
+                      <a:r>
+                        <a:rPr lang="en-US" b="1" dirty="0">
+                          <a:solidFill>
+                            <a:schemeClr val="tx1"/>
+                          </a:solidFill>
+                        </a:rPr>
+                        <a:t>Zyzzyva</a:t>
+                      </a:r>
+                    </a:p>
+                  </a:txBody>
+                  <a:tcPr>
+                    <a:lnL w="12700" cap="flat" cmpd="sng" algn="ctr">
+                      <a:noFill/>
+                      <a:prstDash val="solid"/>
+                      <a:round/>
+                      <a:headEnd type="none" w="med" len="med"/>
+                      <a:tailEnd type="none" w="med" len="med"/>
+                    </a:lnL>
+                    <a:lnR w="12700" cap="flat" cmpd="sng" algn="ctr">
+                      <a:noFill/>
+                      <a:prstDash val="solid"/>
+                      <a:round/>
+                      <a:headEnd type="none" w="med" len="med"/>
+                      <a:tailEnd type="none" w="med" len="med"/>
+                    </a:lnR>
+                    <a:lnT w="12700" cap="flat" cmpd="sng" algn="ctr">
+                      <a:noFill/>
+                      <a:prstDash val="solid"/>
+                      <a:round/>
+                      <a:headEnd type="none" w="med" len="med"/>
+                      <a:tailEnd type="none" w="med" len="med"/>
+                    </a:lnT>
+                    <a:lnB w="12700" cap="flat" cmpd="sng" algn="ctr">
+                      <a:noFill/>
+                      <a:prstDash val="solid"/>
+                      <a:round/>
+                      <a:headEnd type="none" w="med" len="med"/>
+                      <a:tailEnd type="none" w="med" len="med"/>
+                    </a:lnB>
+                    <a:lnTlToBr w="12700" cmpd="sng">
+                      <a:noFill/>
+                      <a:prstDash val="solid"/>
+                    </a:lnTlToBr>
+                    <a:lnBlToTr w="12700" cmpd="sng">
+                      <a:noFill/>
+                      <a:prstDash val="solid"/>
+                    </a:lnBlToTr>
+                    <a:noFill/>
+                  </a:tcPr>
+                </a:tc>
+                <a:extLst>
+                  <a:ext uri="{0D108BD9-81ED-4DB2-BD59-A6C34878D82A}">
+                    <a16:rowId xmlns:a16="http://schemas.microsoft.com/office/drawing/2014/main" val="1130572013"/>
+                  </a:ext>
+                </a:extLst>
+              </a:tr>
+            </a:tbl>
+          </a:graphicData>
+        </a:graphic>
+      </p:graphicFrame>
+      <p:graphicFrame>
+        <p:nvGraphicFramePr>
+          <p:cNvPr id="9" name="Table 8">
+            <a:extLst>
+              <a:ext uri="{FF2B5EF4-FFF2-40B4-BE49-F238E27FC236}">
+                <a16:creationId xmlns:a16="http://schemas.microsoft.com/office/drawing/2014/main" id="{9A26DA3B-96FC-D232-AAD7-6CFB3FA0933F}"/>
+              </a:ext>
+            </a:extLst>
+          </p:cNvPr>
+          <p:cNvGraphicFramePr>
+            <a:graphicFrameLocks noGrp="1"/>
+          </p:cNvGraphicFramePr>
+          <p:nvPr>
+            <p:extLst>
+              <p:ext uri="{D42A27DB-BD31-4B8C-83A1-F6EECF244321}">
+                <p14:modId xmlns:p14="http://schemas.microsoft.com/office/powerpoint/2010/main" val="2919245508"/>
+              </p:ext>
+            </p:extLst>
+          </p:nvPr>
+        </p:nvGraphicFramePr>
+        <p:xfrm>
+          <a:off x="4531866" y="3936322"/>
+          <a:ext cx="1216661" cy="1854200"/>
+        </p:xfrm>
+        <a:graphic>
+          <a:graphicData uri="http://schemas.openxmlformats.org/drawingml/2006/table">
+            <a:tbl>
+              <a:tblPr firstRow="1" bandRow="1">
+                <a:tableStyleId>{5C22544A-7EE6-4342-B048-85BDC9FD1C3A}</a:tableStyleId>
+              </a:tblPr>
+              <a:tblGrid>
+                <a:gridCol w="1216661">
+                  <a:extLst>
+                    <a:ext uri="{9D8B030D-6E8A-4147-A177-3AD203B41FA5}">
+                      <a16:colId xmlns:a16="http://schemas.microsoft.com/office/drawing/2014/main" val="821027844"/>
+                    </a:ext>
+                  </a:extLst>
+                </a:gridCol>
+              </a:tblGrid>
+              <a:tr h="370840">
+                <a:tc>
+                  <a:txBody>
+                    <a:bodyPr/>
+                    <a:lstStyle/>
+                    <a:p>
+                      <a:r>
+                        <a:rPr lang="en-US" b="1" dirty="0">
+                          <a:solidFill>
+                            <a:schemeClr val="tx1"/>
+                          </a:solidFill>
+                        </a:rPr>
+                        <a:t>0.0020%</a:t>
+                      </a:r>
+                    </a:p>
+                  </a:txBody>
+                  <a:tcPr>
+                    <a:lnL w="12700" cap="flat" cmpd="sng" algn="ctr">
+                      <a:solidFill>
+                        <a:schemeClr val="tx1"/>
+                      </a:solidFill>
+                      <a:prstDash val="solid"/>
+                      <a:round/>
+                      <a:headEnd type="none" w="med" len="med"/>
+                      <a:tailEnd type="none" w="med" len="med"/>
+                    </a:lnL>
+                    <a:lnR w="12700" cap="flat" cmpd="sng" algn="ctr">
+                      <a:solidFill>
+                        <a:schemeClr val="tx1"/>
+                      </a:solidFill>
+                      <a:prstDash val="solid"/>
+                      <a:round/>
+                      <a:headEnd type="none" w="med" len="med"/>
+                      <a:tailEnd type="none" w="med" len="med"/>
+                    </a:lnR>
+                    <a:lnT w="12700" cap="flat" cmpd="sng" algn="ctr">
+                      <a:solidFill>
+                        <a:schemeClr val="tx1"/>
+                      </a:solidFill>
+                      <a:prstDash val="solid"/>
+                      <a:round/>
+                      <a:headEnd type="none" w="med" len="med"/>
+                      <a:tailEnd type="none" w="med" len="med"/>
+                    </a:lnT>
+                    <a:lnB w="12700" cap="flat" cmpd="sng" algn="ctr">
+                      <a:solidFill>
+                        <a:schemeClr val="tx1"/>
+                      </a:solidFill>
+                      <a:prstDash val="solid"/>
+                      <a:round/>
+                      <a:headEnd type="none" w="med" len="med"/>
+                      <a:tailEnd type="none" w="med" len="med"/>
+                    </a:lnB>
+                    <a:noFill/>
+                  </a:tcPr>
+                </a:tc>
+                <a:extLst>
+                  <a:ext uri="{0D108BD9-81ED-4DB2-BD59-A6C34878D82A}">
+                    <a16:rowId xmlns:a16="http://schemas.microsoft.com/office/drawing/2014/main" val="676597624"/>
+                  </a:ext>
+                </a:extLst>
+              </a:tr>
+              <a:tr h="370840">
+                <a:tc>
+                  <a:txBody>
+                    <a:bodyPr/>
+                    <a:lstStyle/>
+                    <a:p>
+                      <a:r>
+                        <a:rPr lang="en-US" b="1" dirty="0">
+                          <a:solidFill>
+                            <a:schemeClr val="tx1"/>
+                          </a:solidFill>
+                        </a:rPr>
+                        <a:t>…</a:t>
+                      </a:r>
+                    </a:p>
+                  </a:txBody>
+                  <a:tcPr>
+                    <a:lnL w="12700" cap="flat" cmpd="sng" algn="ctr">
+                      <a:solidFill>
+                        <a:schemeClr val="tx1"/>
+                      </a:solidFill>
+                      <a:prstDash val="solid"/>
+                      <a:round/>
+                      <a:headEnd type="none" w="med" len="med"/>
+                      <a:tailEnd type="none" w="med" len="med"/>
+                    </a:lnL>
+                    <a:lnR w="12700" cap="flat" cmpd="sng" algn="ctr">
+                      <a:solidFill>
+                        <a:schemeClr val="tx1"/>
+                      </a:solidFill>
+                      <a:prstDash val="solid"/>
+                      <a:round/>
+                      <a:headEnd type="none" w="med" len="med"/>
+                      <a:tailEnd type="none" w="med" len="med"/>
+                    </a:lnR>
+                    <a:lnT w="12700" cap="flat" cmpd="sng" algn="ctr">
+                      <a:solidFill>
+                        <a:schemeClr val="tx1"/>
+                      </a:solidFill>
+                      <a:prstDash val="solid"/>
+                      <a:round/>
+                      <a:headEnd type="none" w="med" len="med"/>
+                      <a:tailEnd type="none" w="med" len="med"/>
+                    </a:lnT>
+                    <a:lnB w="12700" cap="flat" cmpd="sng" algn="ctr">
+                      <a:solidFill>
+                        <a:schemeClr val="tx1"/>
+                      </a:solidFill>
+                      <a:prstDash val="solid"/>
+                      <a:round/>
+                      <a:headEnd type="none" w="med" len="med"/>
+                      <a:tailEnd type="none" w="med" len="med"/>
+                    </a:lnB>
+                    <a:noFill/>
+                  </a:tcPr>
+                </a:tc>
+                <a:extLst>
+                  <a:ext uri="{0D108BD9-81ED-4DB2-BD59-A6C34878D82A}">
+                    <a16:rowId xmlns:a16="http://schemas.microsoft.com/office/drawing/2014/main" val="3842798386"/>
+                  </a:ext>
+                </a:extLst>
+              </a:tr>
+              <a:tr h="370840">
+                <a:tc>
+                  <a:txBody>
+                    <a:bodyPr/>
+                    <a:lstStyle/>
+                    <a:p>
+                      <a:r>
+                        <a:rPr lang="en-US" b="1" dirty="0">
+                          <a:solidFill>
+                            <a:schemeClr val="tx1"/>
+                          </a:solidFill>
+                        </a:rPr>
+                        <a:t>16%</a:t>
+                      </a:r>
+                    </a:p>
+                  </a:txBody>
+                  <a:tcPr>
+                    <a:lnL w="12700" cap="flat" cmpd="sng" algn="ctr">
+                      <a:solidFill>
+                        <a:schemeClr val="tx1"/>
+                      </a:solidFill>
+                      <a:prstDash val="solid"/>
+                      <a:round/>
+                      <a:headEnd type="none" w="med" len="med"/>
+                      <a:tailEnd type="none" w="med" len="med"/>
+                    </a:lnL>
+                    <a:lnR w="12700" cap="flat" cmpd="sng" algn="ctr">
+                      <a:solidFill>
+                        <a:schemeClr val="tx1"/>
+                      </a:solidFill>
+                      <a:prstDash val="solid"/>
+                      <a:round/>
+                      <a:headEnd type="none" w="med" len="med"/>
+                      <a:tailEnd type="none" w="med" len="med"/>
+                    </a:lnR>
+                    <a:lnT w="12700" cap="flat" cmpd="sng" algn="ctr">
+                      <a:solidFill>
+                        <a:schemeClr val="tx1"/>
+                      </a:solidFill>
+                      <a:prstDash val="solid"/>
+                      <a:round/>
+                      <a:headEnd type="none" w="med" len="med"/>
+                      <a:tailEnd type="none" w="med" len="med"/>
+                    </a:lnT>
+                    <a:lnB w="12700" cap="flat" cmpd="sng" algn="ctr">
+                      <a:solidFill>
+                        <a:schemeClr val="tx1"/>
+                      </a:solidFill>
+                      <a:prstDash val="solid"/>
+                      <a:round/>
+                      <a:headEnd type="none" w="med" len="med"/>
+                      <a:tailEnd type="none" w="med" len="med"/>
+                    </a:lnB>
+                    <a:solidFill>
+                      <a:schemeClr val="accent6">
+                        <a:lumMod val="20000"/>
+                        <a:lumOff val="80000"/>
+                      </a:schemeClr>
+                    </a:solidFill>
+                  </a:tcPr>
+                </a:tc>
+                <a:extLst>
+                  <a:ext uri="{0D108BD9-81ED-4DB2-BD59-A6C34878D82A}">
+                    <a16:rowId xmlns:a16="http://schemas.microsoft.com/office/drawing/2014/main" val="225030235"/>
+                  </a:ext>
+                </a:extLst>
+              </a:tr>
+              <a:tr h="370840">
+                <a:tc>
+                  <a:txBody>
+                    <a:bodyPr/>
+                    <a:lstStyle/>
+                    <a:p>
+                      <a:r>
+                        <a:rPr lang="en-US" b="1" dirty="0">
+                          <a:solidFill>
+                            <a:schemeClr val="tx1"/>
+                          </a:solidFill>
+                        </a:rPr>
+                        <a:t>…</a:t>
+                      </a:r>
+                    </a:p>
+                  </a:txBody>
+                  <a:tcPr>
+                    <a:lnL w="12700" cap="flat" cmpd="sng" algn="ctr">
+                      <a:solidFill>
+                        <a:schemeClr val="tx1"/>
+                      </a:solidFill>
+                      <a:prstDash val="solid"/>
+                      <a:round/>
+                      <a:headEnd type="none" w="med" len="med"/>
+                      <a:tailEnd type="none" w="med" len="med"/>
+                    </a:lnL>
+                    <a:lnR w="12700" cap="flat" cmpd="sng" algn="ctr">
+                      <a:solidFill>
+                        <a:schemeClr val="tx1"/>
+                      </a:solidFill>
+                      <a:prstDash val="solid"/>
+                      <a:round/>
+                      <a:headEnd type="none" w="med" len="med"/>
+                      <a:tailEnd type="none" w="med" len="med"/>
+                    </a:lnR>
+                    <a:lnT w="12700" cap="flat" cmpd="sng" algn="ctr">
+                      <a:solidFill>
+                        <a:schemeClr val="tx1"/>
+                      </a:solidFill>
+                      <a:prstDash val="solid"/>
+                      <a:round/>
+                      <a:headEnd type="none" w="med" len="med"/>
+                      <a:tailEnd type="none" w="med" len="med"/>
+                    </a:lnT>
+                    <a:lnB w="12700" cap="flat" cmpd="sng" algn="ctr">
+                      <a:solidFill>
+                        <a:schemeClr val="tx1"/>
+                      </a:solidFill>
+                      <a:prstDash val="solid"/>
+                      <a:round/>
+                      <a:headEnd type="none" w="med" len="med"/>
+                      <a:tailEnd type="none" w="med" len="med"/>
+                    </a:lnB>
+                    <a:noFill/>
+                  </a:tcPr>
+                </a:tc>
+                <a:extLst>
+                  <a:ext uri="{0D108BD9-81ED-4DB2-BD59-A6C34878D82A}">
+                    <a16:rowId xmlns:a16="http://schemas.microsoft.com/office/drawing/2014/main" val="1494145055"/>
+                  </a:ext>
+                </a:extLst>
+              </a:tr>
+              <a:tr h="370840">
+                <a:tc>
+                  <a:txBody>
+                    <a:bodyPr/>
+                    <a:lstStyle/>
+                    <a:p>
+                      <a:r>
+                        <a:rPr lang="en-US" b="1" dirty="0">
+                          <a:solidFill>
+                            <a:schemeClr val="tx1"/>
+                          </a:solidFill>
+                        </a:rPr>
+                        <a:t>0.0018%</a:t>
+                      </a:r>
+                    </a:p>
+                  </a:txBody>
+                  <a:tcPr>
+                    <a:lnL w="12700" cap="flat" cmpd="sng" algn="ctr">
+                      <a:solidFill>
+                        <a:schemeClr val="tx1"/>
+                      </a:solidFill>
+                      <a:prstDash val="solid"/>
+                      <a:round/>
+                      <a:headEnd type="none" w="med" len="med"/>
+                      <a:tailEnd type="none" w="med" len="med"/>
+                    </a:lnL>
+                    <a:lnR w="12700" cap="flat" cmpd="sng" algn="ctr">
+                      <a:solidFill>
+                        <a:schemeClr val="tx1"/>
+                      </a:solidFill>
+                      <a:prstDash val="solid"/>
+                      <a:round/>
+                      <a:headEnd type="none" w="med" len="med"/>
+                      <a:tailEnd type="none" w="med" len="med"/>
+                    </a:lnR>
+                    <a:lnT w="12700" cap="flat" cmpd="sng" algn="ctr">
+                      <a:solidFill>
+                        <a:schemeClr val="tx1"/>
+                      </a:solidFill>
+                      <a:prstDash val="solid"/>
+                      <a:round/>
+                      <a:headEnd type="none" w="med" len="med"/>
+                      <a:tailEnd type="none" w="med" len="med"/>
+                    </a:lnT>
+                    <a:lnB w="12700" cap="flat" cmpd="sng" algn="ctr">
+                      <a:solidFill>
+                        <a:schemeClr val="tx1"/>
+                      </a:solidFill>
+                      <a:prstDash val="solid"/>
+                      <a:round/>
+                      <a:headEnd type="none" w="med" len="med"/>
+                      <a:tailEnd type="none" w="med" len="med"/>
+                    </a:lnB>
+                    <a:noFill/>
+                  </a:tcPr>
+                </a:tc>
+                <a:extLst>
+                  <a:ext uri="{0D108BD9-81ED-4DB2-BD59-A6C34878D82A}">
+                    <a16:rowId xmlns:a16="http://schemas.microsoft.com/office/drawing/2014/main" val="1130572013"/>
+                  </a:ext>
+                </a:extLst>
+              </a:tr>
+            </a:tbl>
+          </a:graphicData>
+        </a:graphic>
+      </p:graphicFrame>
+      <p:cxnSp>
+        <p:nvCxnSpPr>
+          <p:cNvPr id="11" name="Straight Arrow Connector 10">
+            <a:extLst>
+              <a:ext uri="{FF2B5EF4-FFF2-40B4-BE49-F238E27FC236}">
+                <a16:creationId xmlns:a16="http://schemas.microsoft.com/office/drawing/2014/main" id="{BE7BA075-4246-8FFA-2D40-37FF4ED63936}"/>
+              </a:ext>
+            </a:extLst>
+          </p:cNvPr>
+          <p:cNvCxnSpPr>
+            <a:cxnSpLocks/>
+          </p:cNvCxnSpPr>
+          <p:nvPr/>
+        </p:nvCxnSpPr>
+        <p:spPr>
+          <a:xfrm>
+            <a:off x="3831336" y="2368296"/>
+            <a:ext cx="0" cy="466344"/>
+          </a:xfrm>
+          <a:prstGeom prst="straightConnector1">
+            <a:avLst/>
+          </a:prstGeom>
+          <a:ln w="25400">
+            <a:solidFill>
+              <a:schemeClr val="bg2">
+                <a:lumMod val="75000"/>
+              </a:schemeClr>
+            </a:solidFill>
+            <a:tailEnd type="triangle" w="lg" len="lg"/>
+          </a:ln>
+        </p:spPr>
+        <p:style>
+          <a:lnRef idx="1">
+            <a:schemeClr val="accent1"/>
+          </a:lnRef>
+          <a:fillRef idx="0">
+            <a:schemeClr val="accent1"/>
+          </a:fillRef>
+          <a:effectRef idx="0">
+            <a:schemeClr val="accent1"/>
+          </a:effectRef>
+          <a:fontRef idx="minor">
+            <a:schemeClr val="tx1"/>
+          </a:fontRef>
+        </p:style>
+      </p:cxnSp>
+      <p:cxnSp>
+        <p:nvCxnSpPr>
+          <p:cNvPr id="13" name="Straight Arrow Connector 12">
+            <a:extLst>
+              <a:ext uri="{FF2B5EF4-FFF2-40B4-BE49-F238E27FC236}">
+                <a16:creationId xmlns:a16="http://schemas.microsoft.com/office/drawing/2014/main" id="{42F7FE34-1AC0-D5E9-7D81-049EBEB58D2C}"/>
+              </a:ext>
+            </a:extLst>
+          </p:cNvPr>
+          <p:cNvCxnSpPr>
+            <a:cxnSpLocks/>
+          </p:cNvCxnSpPr>
+          <p:nvPr/>
+        </p:nvCxnSpPr>
+        <p:spPr>
+          <a:xfrm>
+            <a:off x="4772406" y="2368296"/>
+            <a:ext cx="0" cy="466344"/>
+          </a:xfrm>
+          <a:prstGeom prst="straightConnector1">
+            <a:avLst/>
+          </a:prstGeom>
+          <a:ln w="25400">
+            <a:solidFill>
+              <a:schemeClr val="bg2">
+                <a:lumMod val="75000"/>
+              </a:schemeClr>
+            </a:solidFill>
+            <a:tailEnd type="triangle" w="lg" len="lg"/>
+          </a:ln>
+        </p:spPr>
+        <p:style>
+          <a:lnRef idx="1">
+            <a:schemeClr val="accent1"/>
+          </a:lnRef>
+          <a:fillRef idx="0">
+            <a:schemeClr val="accent1"/>
+          </a:fillRef>
+          <a:effectRef idx="0">
+            <a:schemeClr val="accent1"/>
+          </a:effectRef>
+          <a:fontRef idx="minor">
+            <a:schemeClr val="tx1"/>
+          </a:fontRef>
+        </p:style>
+      </p:cxnSp>
+      <p:cxnSp>
+        <p:nvCxnSpPr>
+          <p:cNvPr id="14" name="Straight Arrow Connector 13">
+            <a:extLst>
+              <a:ext uri="{FF2B5EF4-FFF2-40B4-BE49-F238E27FC236}">
+                <a16:creationId xmlns:a16="http://schemas.microsoft.com/office/drawing/2014/main" id="{682FA686-ECB2-6505-34EF-70E7DCC20966}"/>
+              </a:ext>
+            </a:extLst>
+          </p:cNvPr>
+          <p:cNvCxnSpPr>
+            <a:cxnSpLocks/>
+          </p:cNvCxnSpPr>
+          <p:nvPr/>
+        </p:nvCxnSpPr>
+        <p:spPr>
+          <a:xfrm>
+            <a:off x="5713476" y="2359152"/>
+            <a:ext cx="0" cy="466344"/>
+          </a:xfrm>
+          <a:prstGeom prst="straightConnector1">
+            <a:avLst/>
+          </a:prstGeom>
+          <a:ln w="25400">
+            <a:solidFill>
+              <a:schemeClr val="bg2">
+                <a:lumMod val="75000"/>
+              </a:schemeClr>
+            </a:solidFill>
+            <a:tailEnd type="triangle" w="lg" len="lg"/>
+          </a:ln>
+        </p:spPr>
+        <p:style>
+          <a:lnRef idx="1">
+            <a:schemeClr val="accent1"/>
+          </a:lnRef>
+          <a:fillRef idx="0">
+            <a:schemeClr val="accent1"/>
+          </a:fillRef>
+          <a:effectRef idx="0">
+            <a:schemeClr val="accent1"/>
+          </a:effectRef>
+          <a:fontRef idx="minor">
+            <a:schemeClr val="tx1"/>
+          </a:fontRef>
+        </p:style>
+      </p:cxnSp>
+      <p:cxnSp>
+        <p:nvCxnSpPr>
+          <p:cNvPr id="15" name="Straight Arrow Connector 14">
+            <a:extLst>
+              <a:ext uri="{FF2B5EF4-FFF2-40B4-BE49-F238E27FC236}">
+                <a16:creationId xmlns:a16="http://schemas.microsoft.com/office/drawing/2014/main" id="{04362C72-3B7B-9D75-9159-3670F128B009}"/>
+              </a:ext>
+            </a:extLst>
+          </p:cNvPr>
+          <p:cNvCxnSpPr>
+            <a:cxnSpLocks/>
+          </p:cNvCxnSpPr>
+          <p:nvPr/>
+        </p:nvCxnSpPr>
+        <p:spPr>
+          <a:xfrm>
+            <a:off x="6654546" y="2382012"/>
+            <a:ext cx="0" cy="466344"/>
+          </a:xfrm>
+          <a:prstGeom prst="straightConnector1">
+            <a:avLst/>
+          </a:prstGeom>
+          <a:ln w="25400">
+            <a:solidFill>
+              <a:schemeClr val="bg2">
+                <a:lumMod val="75000"/>
+              </a:schemeClr>
+            </a:solidFill>
+            <a:tailEnd type="triangle" w="lg" len="lg"/>
+          </a:ln>
+        </p:spPr>
+        <p:style>
+          <a:lnRef idx="1">
+            <a:schemeClr val="accent1"/>
+          </a:lnRef>
+          <a:fillRef idx="0">
+            <a:schemeClr val="accent1"/>
+          </a:fillRef>
+          <a:effectRef idx="0">
+            <a:schemeClr val="accent1"/>
+          </a:effectRef>
+          <a:fontRef idx="minor">
+            <a:schemeClr val="tx1"/>
+          </a:fontRef>
+        </p:style>
+      </p:cxnSp>
+      <p:cxnSp>
+        <p:nvCxnSpPr>
+          <p:cNvPr id="16" name="Straight Arrow Connector 15">
+            <a:extLst>
+              <a:ext uri="{FF2B5EF4-FFF2-40B4-BE49-F238E27FC236}">
+                <a16:creationId xmlns:a16="http://schemas.microsoft.com/office/drawing/2014/main" id="{6F2011D4-EBEB-029E-E3E1-CFC92CF8C08F}"/>
+              </a:ext>
+            </a:extLst>
+          </p:cNvPr>
+          <p:cNvCxnSpPr>
+            <a:cxnSpLocks/>
+          </p:cNvCxnSpPr>
+          <p:nvPr/>
+        </p:nvCxnSpPr>
+        <p:spPr>
+          <a:xfrm>
+            <a:off x="7595616" y="2382012"/>
+            <a:ext cx="0" cy="466344"/>
+          </a:xfrm>
+          <a:prstGeom prst="straightConnector1">
+            <a:avLst/>
+          </a:prstGeom>
+          <a:ln w="25400">
+            <a:solidFill>
+              <a:schemeClr val="bg2">
+                <a:lumMod val="75000"/>
+              </a:schemeClr>
+            </a:solidFill>
+            <a:tailEnd type="triangle" w="lg" len="lg"/>
+          </a:ln>
+        </p:spPr>
+        <p:style>
+          <a:lnRef idx="1">
+            <a:schemeClr val="accent1"/>
+          </a:lnRef>
+          <a:fillRef idx="0">
+            <a:schemeClr val="accent1"/>
+          </a:fillRef>
+          <a:effectRef idx="0">
+            <a:schemeClr val="accent1"/>
+          </a:effectRef>
+          <a:fontRef idx="minor">
+            <a:schemeClr val="tx1"/>
+          </a:fontRef>
+        </p:style>
+      </p:cxnSp>
+      <p:cxnSp>
+        <p:nvCxnSpPr>
+          <p:cNvPr id="17" name="Straight Arrow Connector 16">
+            <a:extLst>
+              <a:ext uri="{FF2B5EF4-FFF2-40B4-BE49-F238E27FC236}">
+                <a16:creationId xmlns:a16="http://schemas.microsoft.com/office/drawing/2014/main" id="{63AFB3C4-EA7F-B99D-9F64-464610BC7997}"/>
+              </a:ext>
+            </a:extLst>
+          </p:cNvPr>
+          <p:cNvCxnSpPr>
+            <a:cxnSpLocks/>
+          </p:cNvCxnSpPr>
+          <p:nvPr/>
+        </p:nvCxnSpPr>
+        <p:spPr>
+          <a:xfrm>
+            <a:off x="3831336" y="1593165"/>
+            <a:ext cx="0" cy="466344"/>
+          </a:xfrm>
+          <a:prstGeom prst="straightConnector1">
+            <a:avLst/>
+          </a:prstGeom>
+          <a:ln w="25400">
+            <a:solidFill>
+              <a:schemeClr val="bg2">
+                <a:lumMod val="75000"/>
+              </a:schemeClr>
+            </a:solidFill>
+            <a:tailEnd type="triangle" w="lg" len="lg"/>
+          </a:ln>
+        </p:spPr>
+        <p:style>
+          <a:lnRef idx="1">
+            <a:schemeClr val="accent1"/>
+          </a:lnRef>
+          <a:fillRef idx="0">
+            <a:schemeClr val="accent1"/>
+          </a:fillRef>
+          <a:effectRef idx="0">
+            <a:schemeClr val="accent1"/>
+          </a:effectRef>
+          <a:fontRef idx="minor">
+            <a:schemeClr val="tx1"/>
+          </a:fontRef>
+        </p:style>
+      </p:cxnSp>
+      <p:cxnSp>
+        <p:nvCxnSpPr>
+          <p:cNvPr id="18" name="Straight Arrow Connector 17">
+            <a:extLst>
+              <a:ext uri="{FF2B5EF4-FFF2-40B4-BE49-F238E27FC236}">
+                <a16:creationId xmlns:a16="http://schemas.microsoft.com/office/drawing/2014/main" id="{834E9C14-266A-2115-775E-EBBBF5996F45}"/>
+              </a:ext>
+            </a:extLst>
+          </p:cNvPr>
+          <p:cNvCxnSpPr>
+            <a:cxnSpLocks/>
+          </p:cNvCxnSpPr>
+          <p:nvPr/>
+        </p:nvCxnSpPr>
+        <p:spPr>
+          <a:xfrm>
+            <a:off x="4772406" y="1593165"/>
+            <a:ext cx="0" cy="466344"/>
+          </a:xfrm>
+          <a:prstGeom prst="straightConnector1">
+            <a:avLst/>
+          </a:prstGeom>
+          <a:ln w="25400">
+            <a:solidFill>
+              <a:schemeClr val="bg2">
+                <a:lumMod val="75000"/>
+              </a:schemeClr>
+            </a:solidFill>
+            <a:tailEnd type="triangle" w="lg" len="lg"/>
+          </a:ln>
+        </p:spPr>
+        <p:style>
+          <a:lnRef idx="1">
+            <a:schemeClr val="accent1"/>
+          </a:lnRef>
+          <a:fillRef idx="0">
+            <a:schemeClr val="accent1"/>
+          </a:fillRef>
+          <a:effectRef idx="0">
+            <a:schemeClr val="accent1"/>
+          </a:effectRef>
+          <a:fontRef idx="minor">
+            <a:schemeClr val="tx1"/>
+          </a:fontRef>
+        </p:style>
+      </p:cxnSp>
+      <p:cxnSp>
+        <p:nvCxnSpPr>
+          <p:cNvPr id="19" name="Straight Arrow Connector 18">
+            <a:extLst>
+              <a:ext uri="{FF2B5EF4-FFF2-40B4-BE49-F238E27FC236}">
+                <a16:creationId xmlns:a16="http://schemas.microsoft.com/office/drawing/2014/main" id="{C306A0EF-D067-AE02-83B6-77D962DE5AE9}"/>
+              </a:ext>
+            </a:extLst>
+          </p:cNvPr>
+          <p:cNvCxnSpPr>
+            <a:cxnSpLocks/>
+          </p:cNvCxnSpPr>
+          <p:nvPr/>
+        </p:nvCxnSpPr>
+        <p:spPr>
+          <a:xfrm>
+            <a:off x="5713476" y="1584021"/>
+            <a:ext cx="0" cy="466344"/>
+          </a:xfrm>
+          <a:prstGeom prst="straightConnector1">
+            <a:avLst/>
+          </a:prstGeom>
+          <a:ln w="25400">
+            <a:solidFill>
+              <a:schemeClr val="bg2">
+                <a:lumMod val="75000"/>
+              </a:schemeClr>
+            </a:solidFill>
+            <a:tailEnd type="triangle" w="lg" len="lg"/>
+          </a:ln>
+        </p:spPr>
+        <p:style>
+          <a:lnRef idx="1">
+            <a:schemeClr val="accent1"/>
+          </a:lnRef>
+          <a:fillRef idx="0">
+            <a:schemeClr val="accent1"/>
+          </a:fillRef>
+          <a:effectRef idx="0">
+            <a:schemeClr val="accent1"/>
+          </a:effectRef>
+          <a:fontRef idx="minor">
+            <a:schemeClr val="tx1"/>
+          </a:fontRef>
+        </p:style>
+      </p:cxnSp>
+      <p:cxnSp>
+        <p:nvCxnSpPr>
+          <p:cNvPr id="20" name="Straight Arrow Connector 19">
+            <a:extLst>
+              <a:ext uri="{FF2B5EF4-FFF2-40B4-BE49-F238E27FC236}">
+                <a16:creationId xmlns:a16="http://schemas.microsoft.com/office/drawing/2014/main" id="{5E2CC96A-ECE2-994F-98AF-0F377476CCF9}"/>
+              </a:ext>
+            </a:extLst>
+          </p:cNvPr>
+          <p:cNvCxnSpPr>
+            <a:cxnSpLocks/>
+          </p:cNvCxnSpPr>
+          <p:nvPr/>
+        </p:nvCxnSpPr>
+        <p:spPr>
+          <a:xfrm>
+            <a:off x="6654546" y="1606881"/>
+            <a:ext cx="0" cy="466344"/>
+          </a:xfrm>
+          <a:prstGeom prst="straightConnector1">
+            <a:avLst/>
+          </a:prstGeom>
+          <a:ln w="25400">
+            <a:solidFill>
+              <a:schemeClr val="bg2">
+                <a:lumMod val="75000"/>
+              </a:schemeClr>
+            </a:solidFill>
+            <a:tailEnd type="triangle" w="lg" len="lg"/>
+          </a:ln>
+        </p:spPr>
+        <p:style>
+          <a:lnRef idx="1">
+            <a:schemeClr val="accent1"/>
+          </a:lnRef>
+          <a:fillRef idx="0">
+            <a:schemeClr val="accent1"/>
+          </a:fillRef>
+          <a:effectRef idx="0">
+            <a:schemeClr val="accent1"/>
+          </a:effectRef>
+          <a:fontRef idx="minor">
+            <a:schemeClr val="tx1"/>
+          </a:fontRef>
+        </p:style>
+      </p:cxnSp>
+      <p:cxnSp>
+        <p:nvCxnSpPr>
+          <p:cNvPr id="21" name="Straight Arrow Connector 20">
+            <a:extLst>
+              <a:ext uri="{FF2B5EF4-FFF2-40B4-BE49-F238E27FC236}">
+                <a16:creationId xmlns:a16="http://schemas.microsoft.com/office/drawing/2014/main" id="{595E39F6-C5D8-A72E-86FA-6AE2AB88C8F1}"/>
+              </a:ext>
+            </a:extLst>
+          </p:cNvPr>
+          <p:cNvCxnSpPr>
+            <a:cxnSpLocks/>
+          </p:cNvCxnSpPr>
+          <p:nvPr/>
+        </p:nvCxnSpPr>
+        <p:spPr>
+          <a:xfrm>
+            <a:off x="7595616" y="1606881"/>
+            <a:ext cx="0" cy="466344"/>
+          </a:xfrm>
+          <a:prstGeom prst="straightConnector1">
+            <a:avLst/>
+          </a:prstGeom>
+          <a:ln w="25400">
+            <a:solidFill>
+              <a:schemeClr val="bg2">
+                <a:lumMod val="75000"/>
+              </a:schemeClr>
+            </a:solidFill>
+            <a:tailEnd type="triangle" w="lg" len="lg"/>
+          </a:ln>
+        </p:spPr>
+        <p:style>
+          <a:lnRef idx="1">
+            <a:schemeClr val="accent1"/>
+          </a:lnRef>
+          <a:fillRef idx="0">
+            <a:schemeClr val="accent1"/>
+          </a:fillRef>
+          <a:effectRef idx="0">
+            <a:schemeClr val="accent1"/>
+          </a:effectRef>
+          <a:fontRef idx="minor">
+            <a:schemeClr val="tx1"/>
+          </a:fontRef>
+        </p:style>
+      </p:cxnSp>
+      <p:cxnSp>
+        <p:nvCxnSpPr>
+          <p:cNvPr id="22" name="Straight Arrow Connector 21">
+            <a:extLst>
+              <a:ext uri="{FF2B5EF4-FFF2-40B4-BE49-F238E27FC236}">
+                <a16:creationId xmlns:a16="http://schemas.microsoft.com/office/drawing/2014/main" id="{1BECBCDD-FBDB-DA55-0999-E0E6562DB563}"/>
+              </a:ext>
+            </a:extLst>
+          </p:cNvPr>
+          <p:cNvCxnSpPr>
+            <a:cxnSpLocks/>
+            <a:stCxn id="2" idx="2"/>
+          </p:cNvCxnSpPr>
+          <p:nvPr/>
+        </p:nvCxnSpPr>
+        <p:spPr>
+          <a:xfrm flipH="1">
+            <a:off x="5748527" y="3465576"/>
+            <a:ext cx="1" cy="390575"/>
+          </a:xfrm>
+          <a:prstGeom prst="straightConnector1">
+            <a:avLst/>
+          </a:prstGeom>
+          <a:ln w="50800">
+            <a:solidFill>
+              <a:schemeClr val="bg2">
+                <a:lumMod val="75000"/>
+              </a:schemeClr>
+            </a:solidFill>
+            <a:tailEnd type="triangle" w="lg" len="lg"/>
+          </a:ln>
+        </p:spPr>
+        <p:style>
+          <a:lnRef idx="1">
+            <a:schemeClr val="accent1"/>
+          </a:lnRef>
+          <a:fillRef idx="0">
+            <a:schemeClr val="accent1"/>
+          </a:fillRef>
+          <a:effectRef idx="0">
+            <a:schemeClr val="accent1"/>
+          </a:effectRef>
+          <a:fontRef idx="minor">
+            <a:schemeClr val="tx1"/>
+          </a:fontRef>
+        </p:style>
+      </p:cxnSp>
+      <p:sp>
+        <p:nvSpPr>
+          <p:cNvPr id="26" name="TextBox 25">
+            <a:extLst>
+              <a:ext uri="{FF2B5EF4-FFF2-40B4-BE49-F238E27FC236}">
+                <a16:creationId xmlns:a16="http://schemas.microsoft.com/office/drawing/2014/main" id="{1FEB8C7F-7803-E0C6-A9D9-8D6B738EB5E5}"/>
+              </a:ext>
+            </a:extLst>
+          </p:cNvPr>
+          <p:cNvSpPr txBox="1"/>
+          <p:nvPr/>
+        </p:nvSpPr>
+        <p:spPr>
+          <a:xfrm>
+            <a:off x="1389888" y="2826942"/>
+            <a:ext cx="1636776" cy="646331"/>
+          </a:xfrm>
+          <a:prstGeom prst="rect">
+            <a:avLst/>
+          </a:prstGeom>
+          <a:noFill/>
+        </p:spPr>
+        <p:txBody>
+          <a:bodyPr wrap="square" rtlCol="0">
+            <a:spAutoFit/>
+          </a:bodyPr>
+          <a:lstStyle/>
+          <a:p>
+            <a:r>
+              <a:rPr lang="en-US" dirty="0"/>
+              <a:t>Generate Embeddings</a:t>
+            </a:r>
+          </a:p>
+        </p:txBody>
+      </p:sp>
     </p:spTree>
     <p:extLst>
       <p:ext uri="{BB962C8B-B14F-4D97-AF65-F5344CB8AC3E}">
